--- a/ipsj/figure/DynamicConnectionUseCase.pptx
+++ b/ipsj/figure/DynamicConnectionUseCase.pptx
@@ -2,7 +2,7 @@
 <file path=ppt/presentation.xml><?xml version="1.0" encoding="utf-8"?>
 <p:presentation xmlns:a="http://schemas.openxmlformats.org/drawingml/2006/main" xmlns:r="http://schemas.openxmlformats.org/officeDocument/2006/relationships" xmlns:p="http://schemas.openxmlformats.org/presentationml/2006/main" saveSubsetFonts="1">
   <p:sldMasterIdLst>
-    <p:sldMasterId id="2147483648" r:id="rId1"/>
+    <p:sldMasterId id="2147483684" r:id="rId1"/>
   </p:sldMasterIdLst>
   <p:notesMasterIdLst>
     <p:notesMasterId r:id="rId3"/>
@@ -10,14 +10,14 @@
   <p:sldIdLst>
     <p:sldId id="260" r:id="rId2"/>
   </p:sldIdLst>
-  <p:sldSz cx="12192000" cy="6858000"/>
+  <p:sldSz cx="12192000" cy="2879725"/>
   <p:notesSz cx="6451600" cy="9321800"/>
   <p:defaultTextStyle>
     <a:defPPr>
-      <a:defRPr lang="ja-JP"/>
+      <a:defRPr lang="en-US"/>
     </a:defPPr>
-    <a:lvl1pPr marL="0" algn="l" defTabSz="914400" rtl="0" eaLnBrk="1" latinLnBrk="0" hangingPunct="1">
-      <a:defRPr kumimoji="1" sz="1800" kern="1200">
+    <a:lvl1pPr marL="0" algn="l" defTabSz="457200" rtl="0" eaLnBrk="1" latinLnBrk="0" hangingPunct="1">
+      <a:defRPr sz="1800" kern="1200">
         <a:solidFill>
           <a:schemeClr val="tx1"/>
         </a:solidFill>
@@ -26,8 +26,8 @@
         <a:cs typeface="+mn-cs"/>
       </a:defRPr>
     </a:lvl1pPr>
-    <a:lvl2pPr marL="457200" algn="l" defTabSz="914400" rtl="0" eaLnBrk="1" latinLnBrk="0" hangingPunct="1">
-      <a:defRPr kumimoji="1" sz="1800" kern="1200">
+    <a:lvl2pPr marL="457200" algn="l" defTabSz="457200" rtl="0" eaLnBrk="1" latinLnBrk="0" hangingPunct="1">
+      <a:defRPr sz="1800" kern="1200">
         <a:solidFill>
           <a:schemeClr val="tx1"/>
         </a:solidFill>
@@ -36,8 +36,8 @@
         <a:cs typeface="+mn-cs"/>
       </a:defRPr>
     </a:lvl2pPr>
-    <a:lvl3pPr marL="914400" algn="l" defTabSz="914400" rtl="0" eaLnBrk="1" latinLnBrk="0" hangingPunct="1">
-      <a:defRPr kumimoji="1" sz="1800" kern="1200">
+    <a:lvl3pPr marL="914400" algn="l" defTabSz="457200" rtl="0" eaLnBrk="1" latinLnBrk="0" hangingPunct="1">
+      <a:defRPr sz="1800" kern="1200">
         <a:solidFill>
           <a:schemeClr val="tx1"/>
         </a:solidFill>
@@ -46,8 +46,8 @@
         <a:cs typeface="+mn-cs"/>
       </a:defRPr>
     </a:lvl3pPr>
-    <a:lvl4pPr marL="1371600" algn="l" defTabSz="914400" rtl="0" eaLnBrk="1" latinLnBrk="0" hangingPunct="1">
-      <a:defRPr kumimoji="1" sz="1800" kern="1200">
+    <a:lvl4pPr marL="1371600" algn="l" defTabSz="457200" rtl="0" eaLnBrk="1" latinLnBrk="0" hangingPunct="1">
+      <a:defRPr sz="1800" kern="1200">
         <a:solidFill>
           <a:schemeClr val="tx1"/>
         </a:solidFill>
@@ -56,8 +56,8 @@
         <a:cs typeface="+mn-cs"/>
       </a:defRPr>
     </a:lvl4pPr>
-    <a:lvl5pPr marL="1828800" algn="l" defTabSz="914400" rtl="0" eaLnBrk="1" latinLnBrk="0" hangingPunct="1">
-      <a:defRPr kumimoji="1" sz="1800" kern="1200">
+    <a:lvl5pPr marL="1828800" algn="l" defTabSz="457200" rtl="0" eaLnBrk="1" latinLnBrk="0" hangingPunct="1">
+      <a:defRPr sz="1800" kern="1200">
         <a:solidFill>
           <a:schemeClr val="tx1"/>
         </a:solidFill>
@@ -66,8 +66,8 @@
         <a:cs typeface="+mn-cs"/>
       </a:defRPr>
     </a:lvl5pPr>
-    <a:lvl6pPr marL="2286000" algn="l" defTabSz="914400" rtl="0" eaLnBrk="1" latinLnBrk="0" hangingPunct="1">
-      <a:defRPr kumimoji="1" sz="1800" kern="1200">
+    <a:lvl6pPr marL="2286000" algn="l" defTabSz="457200" rtl="0" eaLnBrk="1" latinLnBrk="0" hangingPunct="1">
+      <a:defRPr sz="1800" kern="1200">
         <a:solidFill>
           <a:schemeClr val="tx1"/>
         </a:solidFill>
@@ -76,8 +76,8 @@
         <a:cs typeface="+mn-cs"/>
       </a:defRPr>
     </a:lvl6pPr>
-    <a:lvl7pPr marL="2743200" algn="l" defTabSz="914400" rtl="0" eaLnBrk="1" latinLnBrk="0" hangingPunct="1">
-      <a:defRPr kumimoji="1" sz="1800" kern="1200">
+    <a:lvl7pPr marL="2743200" algn="l" defTabSz="457200" rtl="0" eaLnBrk="1" latinLnBrk="0" hangingPunct="1">
+      <a:defRPr sz="1800" kern="1200">
         <a:solidFill>
           <a:schemeClr val="tx1"/>
         </a:solidFill>
@@ -86,8 +86,8 @@
         <a:cs typeface="+mn-cs"/>
       </a:defRPr>
     </a:lvl7pPr>
-    <a:lvl8pPr marL="3200400" algn="l" defTabSz="914400" rtl="0" eaLnBrk="1" latinLnBrk="0" hangingPunct="1">
-      <a:defRPr kumimoji="1" sz="1800" kern="1200">
+    <a:lvl8pPr marL="3200400" algn="l" defTabSz="457200" rtl="0" eaLnBrk="1" latinLnBrk="0" hangingPunct="1">
+      <a:defRPr sz="1800" kern="1200">
         <a:solidFill>
           <a:schemeClr val="tx1"/>
         </a:solidFill>
@@ -96,8 +96,8 @@
         <a:cs typeface="+mn-cs"/>
       </a:defRPr>
     </a:lvl8pPr>
-    <a:lvl9pPr marL="3657600" algn="l" defTabSz="914400" rtl="0" eaLnBrk="1" latinLnBrk="0" hangingPunct="1">
-      <a:defRPr kumimoji="1" sz="1800" kern="1200">
+    <a:lvl9pPr marL="3657600" algn="l" defTabSz="457200" rtl="0" eaLnBrk="1" latinLnBrk="0" hangingPunct="1">
+      <a:defRPr sz="1800" kern="1200">
         <a:solidFill>
           <a:schemeClr val="tx1"/>
         </a:solidFill>
@@ -197,7 +197,7 @@
           <a:p>
             <a:fld id="{00D06802-B8EF-4FD8-9511-F1F928CF3A55}" type="datetimeFigureOut">
               <a:rPr kumimoji="1" lang="ja-JP" altLang="en-US" smtClean="0"/>
-              <a:t>2017/2/3</a:t>
+              <a:t>2017/11/16</a:t>
             </a:fld>
             <a:endParaRPr kumimoji="1" lang="ja-JP" altLang="en-US"/>
           </a:p>
@@ -215,8 +215,8 @@
         </p:nvSpPr>
         <p:spPr>
           <a:xfrm>
-            <a:off x="430213" y="1165225"/>
-            <a:ext cx="5591175" cy="3146425"/>
+            <a:off x="-3433763" y="1165225"/>
+            <a:ext cx="13319126" cy="3146425"/>
           </a:xfrm>
           <a:prstGeom prst="rect">
             <a:avLst/>
@@ -516,7 +516,7 @@
       </p:grpSpPr>
       <p:sp>
         <p:nvSpPr>
-          <p:cNvPr id="2" name="タイトル 1"/>
+          <p:cNvPr id="2" name="Title 1"/>
           <p:cNvSpPr>
             <a:spLocks noGrp="1"/>
           </p:cNvSpPr>
@@ -526,29 +526,29 @@
         </p:nvSpPr>
         <p:spPr>
           <a:xfrm>
-            <a:off x="1524000" y="1122364"/>
-            <a:ext cx="9144000" cy="2387600"/>
+            <a:off x="1524000" y="471289"/>
+            <a:ext cx="9144000" cy="1002571"/>
           </a:xfrm>
         </p:spPr>
         <p:txBody>
           <a:bodyPr anchor="b"/>
           <a:lstStyle>
             <a:lvl1pPr algn="ctr">
-              <a:defRPr sz="6000"/>
+              <a:defRPr sz="2519"/>
             </a:lvl1pPr>
           </a:lstStyle>
           <a:p>
             <a:r>
-              <a:rPr kumimoji="1" lang="ja-JP" altLang="en-US" smtClean="0"/>
+              <a:rPr lang="ja-JP" altLang="en-US" smtClean="0"/>
               <a:t>マスター タイトルの書式設定</a:t>
             </a:r>
-            <a:endParaRPr kumimoji="1" lang="ja-JP" altLang="en-US"/>
-          </a:p>
-        </p:txBody>
-      </p:sp>
-      <p:sp>
-        <p:nvSpPr>
-          <p:cNvPr id="3" name="サブタイトル 2"/>
+            <a:endParaRPr lang="en-US" dirty="0"/>
+          </a:p>
+        </p:txBody>
+      </p:sp>
+      <p:sp>
+        <p:nvSpPr>
+          <p:cNvPr id="3" name="Subtitle 2"/>
           <p:cNvSpPr>
             <a:spLocks noGrp="1"/>
           </p:cNvSpPr>
@@ -558,8 +558,8 @@
         </p:nvSpPr>
         <p:spPr>
           <a:xfrm>
-            <a:off x="1524000" y="3602039"/>
-            <a:ext cx="9144000" cy="1655762"/>
+            <a:off x="1524000" y="1512522"/>
+            <a:ext cx="9144000" cy="695267"/>
           </a:xfrm>
         </p:spPr>
         <p:txBody>
@@ -567,53 +567,53 @@
           <a:lstStyle>
             <a:lvl1pPr marL="0" indent="0" algn="ctr">
               <a:buNone/>
-              <a:defRPr sz="2400"/>
+              <a:defRPr sz="1008"/>
             </a:lvl1pPr>
-            <a:lvl2pPr marL="457195" indent="0" algn="ctr">
-              <a:buNone/>
-              <a:defRPr sz="2000"/>
+            <a:lvl2pPr marL="191978" indent="0" algn="ctr">
+              <a:buNone/>
+              <a:defRPr sz="840"/>
             </a:lvl2pPr>
-            <a:lvl3pPr marL="914392" indent="0" algn="ctr">
-              <a:buNone/>
-              <a:defRPr sz="1800"/>
+            <a:lvl3pPr marL="383957" indent="0" algn="ctr">
+              <a:buNone/>
+              <a:defRPr sz="756"/>
             </a:lvl3pPr>
-            <a:lvl4pPr marL="1371588" indent="0" algn="ctr">
-              <a:buNone/>
-              <a:defRPr sz="1600"/>
+            <a:lvl4pPr marL="575935" indent="0" algn="ctr">
+              <a:buNone/>
+              <a:defRPr sz="672"/>
             </a:lvl4pPr>
-            <a:lvl5pPr marL="1828783" indent="0" algn="ctr">
-              <a:buNone/>
-              <a:defRPr sz="1600"/>
+            <a:lvl5pPr marL="767913" indent="0" algn="ctr">
+              <a:buNone/>
+              <a:defRPr sz="672"/>
             </a:lvl5pPr>
-            <a:lvl6pPr marL="2285980" indent="0" algn="ctr">
-              <a:buNone/>
-              <a:defRPr sz="1600"/>
+            <a:lvl6pPr marL="959891" indent="0" algn="ctr">
+              <a:buNone/>
+              <a:defRPr sz="672"/>
             </a:lvl6pPr>
-            <a:lvl7pPr marL="2743175" indent="0" algn="ctr">
-              <a:buNone/>
-              <a:defRPr sz="1600"/>
+            <a:lvl7pPr marL="1151870" indent="0" algn="ctr">
+              <a:buNone/>
+              <a:defRPr sz="672"/>
             </a:lvl7pPr>
-            <a:lvl8pPr marL="3200372" indent="0" algn="ctr">
-              <a:buNone/>
-              <a:defRPr sz="1600"/>
+            <a:lvl8pPr marL="1343848" indent="0" algn="ctr">
+              <a:buNone/>
+              <a:defRPr sz="672"/>
             </a:lvl8pPr>
-            <a:lvl9pPr marL="3657567" indent="0" algn="ctr">
-              <a:buNone/>
-              <a:defRPr sz="1600"/>
+            <a:lvl9pPr marL="1535826" indent="0" algn="ctr">
+              <a:buNone/>
+              <a:defRPr sz="672"/>
             </a:lvl9pPr>
           </a:lstStyle>
           <a:p>
             <a:r>
-              <a:rPr kumimoji="1" lang="ja-JP" altLang="en-US" smtClean="0"/>
+              <a:rPr lang="ja-JP" altLang="en-US" smtClean="0"/>
               <a:t>マスター サブタイトルの書式設定</a:t>
             </a:r>
-            <a:endParaRPr kumimoji="1" lang="ja-JP" altLang="en-US"/>
-          </a:p>
-        </p:txBody>
-      </p:sp>
-      <p:sp>
-        <p:nvSpPr>
-          <p:cNvPr id="4" name="日付プレースホルダー 3"/>
+            <a:endParaRPr lang="en-US" dirty="0"/>
+          </a:p>
+        </p:txBody>
+      </p:sp>
+      <p:sp>
+        <p:nvSpPr>
+          <p:cNvPr id="4" name="Date Placeholder 3"/>
           <p:cNvSpPr>
             <a:spLocks noGrp="1"/>
           </p:cNvSpPr>
@@ -628,7 +628,7 @@
           <a:p>
             <a:fld id="{AA641DB4-C951-4763-94FC-F650C3AA7E65}" type="datetimeFigureOut">
               <a:rPr kumimoji="1" lang="ja-JP" altLang="en-US" smtClean="0"/>
-              <a:t>2017/2/3</a:t>
+              <a:t>2017/11/16</a:t>
             </a:fld>
             <a:endParaRPr kumimoji="1" lang="ja-JP" altLang="en-US"/>
           </a:p>
@@ -636,7 +636,7 @@
       </p:sp>
       <p:sp>
         <p:nvSpPr>
-          <p:cNvPr id="5" name="フッター プレースホルダー 4"/>
+          <p:cNvPr id="5" name="Footer Placeholder 4"/>
           <p:cNvSpPr>
             <a:spLocks noGrp="1"/>
           </p:cNvSpPr>
@@ -655,7 +655,7 @@
       </p:sp>
       <p:sp>
         <p:nvSpPr>
-          <p:cNvPr id="6" name="スライド番号プレースホルダー 5"/>
+          <p:cNvPr id="6" name="Slide Number Placeholder 5"/>
           <p:cNvSpPr>
             <a:spLocks noGrp="1"/>
           </p:cNvSpPr>
@@ -679,7 +679,7 @@
     </p:spTree>
     <p:extLst>
       <p:ext uri="{BB962C8B-B14F-4D97-AF65-F5344CB8AC3E}">
-        <p14:creationId xmlns:p14="http://schemas.microsoft.com/office/powerpoint/2010/main" val="3805800358"/>
+        <p14:creationId xmlns:p14="http://schemas.microsoft.com/office/powerpoint/2010/main" val="707902818"/>
       </p:ext>
     </p:extLst>
   </p:cSld>
@@ -708,7 +708,7 @@
       </p:grpSpPr>
       <p:sp>
         <p:nvSpPr>
-          <p:cNvPr id="2" name="タイトル 1"/>
+          <p:cNvPr id="2" name="Title 1"/>
           <p:cNvSpPr>
             <a:spLocks noGrp="1"/>
           </p:cNvSpPr>
@@ -722,16 +722,16 @@
           <a:lstStyle/>
           <a:p>
             <a:r>
-              <a:rPr kumimoji="1" lang="ja-JP" altLang="en-US" smtClean="0"/>
+              <a:rPr lang="ja-JP" altLang="en-US" smtClean="0"/>
               <a:t>マスター タイトルの書式設定</a:t>
             </a:r>
-            <a:endParaRPr kumimoji="1" lang="ja-JP" altLang="en-US"/>
-          </a:p>
-        </p:txBody>
-      </p:sp>
-      <p:sp>
-        <p:nvSpPr>
-          <p:cNvPr id="3" name="縦書きテキスト プレースホルダー 2"/>
+            <a:endParaRPr lang="en-US" dirty="0"/>
+          </a:p>
+        </p:txBody>
+      </p:sp>
+      <p:sp>
+        <p:nvSpPr>
+          <p:cNvPr id="3" name="Vertical Text Placeholder 2"/>
           <p:cNvSpPr>
             <a:spLocks noGrp="1"/>
           </p:cNvSpPr>
@@ -746,76 +746,76 @@
           <a:p>
             <a:pPr lvl="0"/>
             <a:r>
-              <a:rPr kumimoji="1" lang="ja-JP" altLang="en-US" smtClean="0"/>
+              <a:rPr lang="ja-JP" altLang="en-US" smtClean="0"/>
               <a:t>マスター テキストの書式設定</a:t>
             </a:r>
           </a:p>
           <a:p>
             <a:pPr lvl="1"/>
             <a:r>
-              <a:rPr kumimoji="1" lang="ja-JP" altLang="en-US" smtClean="0"/>
+              <a:rPr lang="ja-JP" altLang="en-US" smtClean="0"/>
               <a:t>第 </a:t>
             </a:r>
             <a:r>
-              <a:rPr kumimoji="1" lang="en-US" altLang="ja-JP" smtClean="0"/>
+              <a:rPr lang="en-US" altLang="ja-JP" smtClean="0"/>
               <a:t>2 </a:t>
             </a:r>
             <a:r>
-              <a:rPr kumimoji="1" lang="ja-JP" altLang="en-US" smtClean="0"/>
+              <a:rPr lang="ja-JP" altLang="en-US" smtClean="0"/>
               <a:t>レベル</a:t>
             </a:r>
           </a:p>
           <a:p>
             <a:pPr lvl="2"/>
             <a:r>
-              <a:rPr kumimoji="1" lang="ja-JP" altLang="en-US" smtClean="0"/>
+              <a:rPr lang="ja-JP" altLang="en-US" smtClean="0"/>
               <a:t>第 </a:t>
             </a:r>
             <a:r>
-              <a:rPr kumimoji="1" lang="en-US" altLang="ja-JP" smtClean="0"/>
+              <a:rPr lang="en-US" altLang="ja-JP" smtClean="0"/>
               <a:t>3 </a:t>
             </a:r>
             <a:r>
-              <a:rPr kumimoji="1" lang="ja-JP" altLang="en-US" smtClean="0"/>
+              <a:rPr lang="ja-JP" altLang="en-US" smtClean="0"/>
               <a:t>レベル</a:t>
             </a:r>
           </a:p>
           <a:p>
             <a:pPr lvl="3"/>
             <a:r>
-              <a:rPr kumimoji="1" lang="ja-JP" altLang="en-US" smtClean="0"/>
+              <a:rPr lang="ja-JP" altLang="en-US" smtClean="0"/>
               <a:t>第 </a:t>
             </a:r>
             <a:r>
-              <a:rPr kumimoji="1" lang="en-US" altLang="ja-JP" smtClean="0"/>
+              <a:rPr lang="en-US" altLang="ja-JP" smtClean="0"/>
               <a:t>4 </a:t>
             </a:r>
             <a:r>
-              <a:rPr kumimoji="1" lang="ja-JP" altLang="en-US" smtClean="0"/>
+              <a:rPr lang="ja-JP" altLang="en-US" smtClean="0"/>
               <a:t>レベル</a:t>
             </a:r>
           </a:p>
           <a:p>
             <a:pPr lvl="4"/>
             <a:r>
-              <a:rPr kumimoji="1" lang="ja-JP" altLang="en-US" smtClean="0"/>
+              <a:rPr lang="ja-JP" altLang="en-US" smtClean="0"/>
               <a:t>第 </a:t>
             </a:r>
             <a:r>
-              <a:rPr kumimoji="1" lang="en-US" altLang="ja-JP" smtClean="0"/>
+              <a:rPr lang="en-US" altLang="ja-JP" smtClean="0"/>
               <a:t>5 </a:t>
             </a:r>
             <a:r>
-              <a:rPr kumimoji="1" lang="ja-JP" altLang="en-US" smtClean="0"/>
+              <a:rPr lang="ja-JP" altLang="en-US" smtClean="0"/>
               <a:t>レベル</a:t>
             </a:r>
-            <a:endParaRPr kumimoji="1" lang="ja-JP" altLang="en-US"/>
-          </a:p>
-        </p:txBody>
-      </p:sp>
-      <p:sp>
-        <p:nvSpPr>
-          <p:cNvPr id="4" name="日付プレースホルダー 3"/>
+            <a:endParaRPr lang="en-US" dirty="0"/>
+          </a:p>
+        </p:txBody>
+      </p:sp>
+      <p:sp>
+        <p:nvSpPr>
+          <p:cNvPr id="4" name="Date Placeholder 3"/>
           <p:cNvSpPr>
             <a:spLocks noGrp="1"/>
           </p:cNvSpPr>
@@ -830,7 +830,7 @@
           <a:p>
             <a:fld id="{AA641DB4-C951-4763-94FC-F650C3AA7E65}" type="datetimeFigureOut">
               <a:rPr kumimoji="1" lang="ja-JP" altLang="en-US" smtClean="0"/>
-              <a:t>2017/2/3</a:t>
+              <a:t>2017/11/16</a:t>
             </a:fld>
             <a:endParaRPr kumimoji="1" lang="ja-JP" altLang="en-US"/>
           </a:p>
@@ -838,7 +838,7 @@
       </p:sp>
       <p:sp>
         <p:nvSpPr>
-          <p:cNvPr id="5" name="フッター プレースホルダー 4"/>
+          <p:cNvPr id="5" name="Footer Placeholder 4"/>
           <p:cNvSpPr>
             <a:spLocks noGrp="1"/>
           </p:cNvSpPr>
@@ -857,7 +857,7 @@
       </p:sp>
       <p:sp>
         <p:nvSpPr>
-          <p:cNvPr id="6" name="スライド番号プレースホルダー 5"/>
+          <p:cNvPr id="6" name="Slide Number Placeholder 5"/>
           <p:cNvSpPr>
             <a:spLocks noGrp="1"/>
           </p:cNvSpPr>
@@ -881,7 +881,7 @@
     </p:spTree>
     <p:extLst>
       <p:ext uri="{BB962C8B-B14F-4D97-AF65-F5344CB8AC3E}">
-        <p14:creationId xmlns:p14="http://schemas.microsoft.com/office/powerpoint/2010/main" val="2010152497"/>
+        <p14:creationId xmlns:p14="http://schemas.microsoft.com/office/powerpoint/2010/main" val="4252547467"/>
       </p:ext>
     </p:extLst>
   </p:cSld>
@@ -910,7 +910,7 @@
       </p:grpSpPr>
       <p:sp>
         <p:nvSpPr>
-          <p:cNvPr id="2" name="縦書きタイトル 1"/>
+          <p:cNvPr id="2" name="Vertical Title 1"/>
           <p:cNvSpPr>
             <a:spLocks noGrp="1"/>
           </p:cNvSpPr>
@@ -920,8 +920,8 @@
         </p:nvSpPr>
         <p:spPr>
           <a:xfrm>
-            <a:off x="8724900" y="365126"/>
-            <a:ext cx="2628900" cy="5811838"/>
+            <a:off x="8724900" y="153319"/>
+            <a:ext cx="2628900" cy="2440434"/>
           </a:xfrm>
         </p:spPr>
         <p:txBody>
@@ -929,16 +929,16 @@
           <a:lstStyle/>
           <a:p>
             <a:r>
-              <a:rPr kumimoji="1" lang="ja-JP" altLang="en-US" smtClean="0"/>
+              <a:rPr lang="ja-JP" altLang="en-US" smtClean="0"/>
               <a:t>マスター タイトルの書式設定</a:t>
             </a:r>
-            <a:endParaRPr kumimoji="1" lang="ja-JP" altLang="en-US"/>
-          </a:p>
-        </p:txBody>
-      </p:sp>
-      <p:sp>
-        <p:nvSpPr>
-          <p:cNvPr id="3" name="縦書きテキスト プレースホルダー 2"/>
+            <a:endParaRPr lang="en-US" dirty="0"/>
+          </a:p>
+        </p:txBody>
+      </p:sp>
+      <p:sp>
+        <p:nvSpPr>
+          <p:cNvPr id="3" name="Vertical Text Placeholder 2"/>
           <p:cNvSpPr>
             <a:spLocks noGrp="1"/>
           </p:cNvSpPr>
@@ -948,8 +948,8 @@
         </p:nvSpPr>
         <p:spPr>
           <a:xfrm>
-            <a:off x="838200" y="365126"/>
-            <a:ext cx="7734300" cy="5811838"/>
+            <a:off x="838200" y="153319"/>
+            <a:ext cx="7734300" cy="2440434"/>
           </a:xfrm>
         </p:spPr>
         <p:txBody>
@@ -958,76 +958,76 @@
           <a:p>
             <a:pPr lvl="0"/>
             <a:r>
-              <a:rPr kumimoji="1" lang="ja-JP" altLang="en-US" smtClean="0"/>
+              <a:rPr lang="ja-JP" altLang="en-US" smtClean="0"/>
               <a:t>マスター テキストの書式設定</a:t>
             </a:r>
           </a:p>
           <a:p>
             <a:pPr lvl="1"/>
             <a:r>
-              <a:rPr kumimoji="1" lang="ja-JP" altLang="en-US" smtClean="0"/>
+              <a:rPr lang="ja-JP" altLang="en-US" smtClean="0"/>
               <a:t>第 </a:t>
             </a:r>
             <a:r>
-              <a:rPr kumimoji="1" lang="en-US" altLang="ja-JP" smtClean="0"/>
+              <a:rPr lang="en-US" altLang="ja-JP" smtClean="0"/>
               <a:t>2 </a:t>
             </a:r>
             <a:r>
-              <a:rPr kumimoji="1" lang="ja-JP" altLang="en-US" smtClean="0"/>
+              <a:rPr lang="ja-JP" altLang="en-US" smtClean="0"/>
               <a:t>レベル</a:t>
             </a:r>
           </a:p>
           <a:p>
             <a:pPr lvl="2"/>
             <a:r>
-              <a:rPr kumimoji="1" lang="ja-JP" altLang="en-US" smtClean="0"/>
+              <a:rPr lang="ja-JP" altLang="en-US" smtClean="0"/>
               <a:t>第 </a:t>
             </a:r>
             <a:r>
-              <a:rPr kumimoji="1" lang="en-US" altLang="ja-JP" smtClean="0"/>
+              <a:rPr lang="en-US" altLang="ja-JP" smtClean="0"/>
               <a:t>3 </a:t>
             </a:r>
             <a:r>
-              <a:rPr kumimoji="1" lang="ja-JP" altLang="en-US" smtClean="0"/>
+              <a:rPr lang="ja-JP" altLang="en-US" smtClean="0"/>
               <a:t>レベル</a:t>
             </a:r>
           </a:p>
           <a:p>
             <a:pPr lvl="3"/>
             <a:r>
-              <a:rPr kumimoji="1" lang="ja-JP" altLang="en-US" smtClean="0"/>
+              <a:rPr lang="ja-JP" altLang="en-US" smtClean="0"/>
               <a:t>第 </a:t>
             </a:r>
             <a:r>
-              <a:rPr kumimoji="1" lang="en-US" altLang="ja-JP" smtClean="0"/>
+              <a:rPr lang="en-US" altLang="ja-JP" smtClean="0"/>
               <a:t>4 </a:t>
             </a:r>
             <a:r>
-              <a:rPr kumimoji="1" lang="ja-JP" altLang="en-US" smtClean="0"/>
+              <a:rPr lang="ja-JP" altLang="en-US" smtClean="0"/>
               <a:t>レベル</a:t>
             </a:r>
           </a:p>
           <a:p>
             <a:pPr lvl="4"/>
             <a:r>
-              <a:rPr kumimoji="1" lang="ja-JP" altLang="en-US" smtClean="0"/>
+              <a:rPr lang="ja-JP" altLang="en-US" smtClean="0"/>
               <a:t>第 </a:t>
             </a:r>
             <a:r>
-              <a:rPr kumimoji="1" lang="en-US" altLang="ja-JP" smtClean="0"/>
+              <a:rPr lang="en-US" altLang="ja-JP" smtClean="0"/>
               <a:t>5 </a:t>
             </a:r>
             <a:r>
-              <a:rPr kumimoji="1" lang="ja-JP" altLang="en-US" smtClean="0"/>
+              <a:rPr lang="ja-JP" altLang="en-US" smtClean="0"/>
               <a:t>レベル</a:t>
             </a:r>
-            <a:endParaRPr kumimoji="1" lang="ja-JP" altLang="en-US"/>
-          </a:p>
-        </p:txBody>
-      </p:sp>
-      <p:sp>
-        <p:nvSpPr>
-          <p:cNvPr id="4" name="日付プレースホルダー 3"/>
+            <a:endParaRPr lang="en-US" dirty="0"/>
+          </a:p>
+        </p:txBody>
+      </p:sp>
+      <p:sp>
+        <p:nvSpPr>
+          <p:cNvPr id="4" name="Date Placeholder 3"/>
           <p:cNvSpPr>
             <a:spLocks noGrp="1"/>
           </p:cNvSpPr>
@@ -1042,7 +1042,7 @@
           <a:p>
             <a:fld id="{AA641DB4-C951-4763-94FC-F650C3AA7E65}" type="datetimeFigureOut">
               <a:rPr kumimoji="1" lang="ja-JP" altLang="en-US" smtClean="0"/>
-              <a:t>2017/2/3</a:t>
+              <a:t>2017/11/16</a:t>
             </a:fld>
             <a:endParaRPr kumimoji="1" lang="ja-JP" altLang="en-US"/>
           </a:p>
@@ -1050,7 +1050,7 @@
       </p:sp>
       <p:sp>
         <p:nvSpPr>
-          <p:cNvPr id="5" name="フッター プレースホルダー 4"/>
+          <p:cNvPr id="5" name="Footer Placeholder 4"/>
           <p:cNvSpPr>
             <a:spLocks noGrp="1"/>
           </p:cNvSpPr>
@@ -1069,7 +1069,7 @@
       </p:sp>
       <p:sp>
         <p:nvSpPr>
-          <p:cNvPr id="6" name="スライド番号プレースホルダー 5"/>
+          <p:cNvPr id="6" name="Slide Number Placeholder 5"/>
           <p:cNvSpPr>
             <a:spLocks noGrp="1"/>
           </p:cNvSpPr>
@@ -1093,7 +1093,7 @@
     </p:spTree>
     <p:extLst>
       <p:ext uri="{BB962C8B-B14F-4D97-AF65-F5344CB8AC3E}">
-        <p14:creationId xmlns:p14="http://schemas.microsoft.com/office/powerpoint/2010/main" val="1552220192"/>
+        <p14:creationId xmlns:p14="http://schemas.microsoft.com/office/powerpoint/2010/main" val="328208865"/>
       </p:ext>
     </p:extLst>
   </p:cSld>
@@ -1122,7 +1122,7 @@
       </p:grpSpPr>
       <p:sp>
         <p:nvSpPr>
-          <p:cNvPr id="2" name="タイトル 1"/>
+          <p:cNvPr id="2" name="Title 1"/>
           <p:cNvSpPr>
             <a:spLocks noGrp="1"/>
           </p:cNvSpPr>
@@ -1136,16 +1136,16 @@
           <a:lstStyle/>
           <a:p>
             <a:r>
-              <a:rPr kumimoji="1" lang="ja-JP" altLang="en-US" smtClean="0"/>
+              <a:rPr lang="ja-JP" altLang="en-US" smtClean="0"/>
               <a:t>マスター タイトルの書式設定</a:t>
             </a:r>
-            <a:endParaRPr kumimoji="1" lang="ja-JP" altLang="en-US"/>
-          </a:p>
-        </p:txBody>
-      </p:sp>
-      <p:sp>
-        <p:nvSpPr>
-          <p:cNvPr id="3" name="コンテンツ プレースホルダー 2"/>
+            <a:endParaRPr lang="en-US" dirty="0"/>
+          </a:p>
+        </p:txBody>
+      </p:sp>
+      <p:sp>
+        <p:nvSpPr>
+          <p:cNvPr id="3" name="Content Placeholder 2"/>
           <p:cNvSpPr>
             <a:spLocks noGrp="1"/>
           </p:cNvSpPr>
@@ -1160,76 +1160,76 @@
           <a:p>
             <a:pPr lvl="0"/>
             <a:r>
-              <a:rPr kumimoji="1" lang="ja-JP" altLang="en-US" smtClean="0"/>
+              <a:rPr lang="ja-JP" altLang="en-US" smtClean="0"/>
               <a:t>マスター テキストの書式設定</a:t>
             </a:r>
           </a:p>
           <a:p>
             <a:pPr lvl="1"/>
             <a:r>
-              <a:rPr kumimoji="1" lang="ja-JP" altLang="en-US" smtClean="0"/>
+              <a:rPr lang="ja-JP" altLang="en-US" smtClean="0"/>
               <a:t>第 </a:t>
             </a:r>
             <a:r>
-              <a:rPr kumimoji="1" lang="en-US" altLang="ja-JP" smtClean="0"/>
+              <a:rPr lang="en-US" altLang="ja-JP" smtClean="0"/>
               <a:t>2 </a:t>
             </a:r>
             <a:r>
-              <a:rPr kumimoji="1" lang="ja-JP" altLang="en-US" smtClean="0"/>
+              <a:rPr lang="ja-JP" altLang="en-US" smtClean="0"/>
               <a:t>レベル</a:t>
             </a:r>
           </a:p>
           <a:p>
             <a:pPr lvl="2"/>
             <a:r>
-              <a:rPr kumimoji="1" lang="ja-JP" altLang="en-US" smtClean="0"/>
+              <a:rPr lang="ja-JP" altLang="en-US" smtClean="0"/>
               <a:t>第 </a:t>
             </a:r>
             <a:r>
-              <a:rPr kumimoji="1" lang="en-US" altLang="ja-JP" smtClean="0"/>
+              <a:rPr lang="en-US" altLang="ja-JP" smtClean="0"/>
               <a:t>3 </a:t>
             </a:r>
             <a:r>
-              <a:rPr kumimoji="1" lang="ja-JP" altLang="en-US" smtClean="0"/>
+              <a:rPr lang="ja-JP" altLang="en-US" smtClean="0"/>
               <a:t>レベル</a:t>
             </a:r>
           </a:p>
           <a:p>
             <a:pPr lvl="3"/>
             <a:r>
-              <a:rPr kumimoji="1" lang="ja-JP" altLang="en-US" smtClean="0"/>
+              <a:rPr lang="ja-JP" altLang="en-US" smtClean="0"/>
               <a:t>第 </a:t>
             </a:r>
             <a:r>
-              <a:rPr kumimoji="1" lang="en-US" altLang="ja-JP" smtClean="0"/>
+              <a:rPr lang="en-US" altLang="ja-JP" smtClean="0"/>
               <a:t>4 </a:t>
             </a:r>
             <a:r>
-              <a:rPr kumimoji="1" lang="ja-JP" altLang="en-US" smtClean="0"/>
+              <a:rPr lang="ja-JP" altLang="en-US" smtClean="0"/>
               <a:t>レベル</a:t>
             </a:r>
           </a:p>
           <a:p>
             <a:pPr lvl="4"/>
             <a:r>
-              <a:rPr kumimoji="1" lang="ja-JP" altLang="en-US" smtClean="0"/>
+              <a:rPr lang="ja-JP" altLang="en-US" smtClean="0"/>
               <a:t>第 </a:t>
             </a:r>
             <a:r>
-              <a:rPr kumimoji="1" lang="en-US" altLang="ja-JP" smtClean="0"/>
+              <a:rPr lang="en-US" altLang="ja-JP" smtClean="0"/>
               <a:t>5 </a:t>
             </a:r>
             <a:r>
-              <a:rPr kumimoji="1" lang="ja-JP" altLang="en-US" smtClean="0"/>
+              <a:rPr lang="ja-JP" altLang="en-US" smtClean="0"/>
               <a:t>レベル</a:t>
             </a:r>
-            <a:endParaRPr kumimoji="1" lang="ja-JP" altLang="en-US"/>
-          </a:p>
-        </p:txBody>
-      </p:sp>
-      <p:sp>
-        <p:nvSpPr>
-          <p:cNvPr id="4" name="日付プレースホルダー 3"/>
+            <a:endParaRPr lang="en-US" dirty="0"/>
+          </a:p>
+        </p:txBody>
+      </p:sp>
+      <p:sp>
+        <p:nvSpPr>
+          <p:cNvPr id="4" name="Date Placeholder 3"/>
           <p:cNvSpPr>
             <a:spLocks noGrp="1"/>
           </p:cNvSpPr>
@@ -1244,7 +1244,7 @@
           <a:p>
             <a:fld id="{AA641DB4-C951-4763-94FC-F650C3AA7E65}" type="datetimeFigureOut">
               <a:rPr kumimoji="1" lang="ja-JP" altLang="en-US" smtClean="0"/>
-              <a:t>2017/2/3</a:t>
+              <a:t>2017/11/16</a:t>
             </a:fld>
             <a:endParaRPr kumimoji="1" lang="ja-JP" altLang="en-US"/>
           </a:p>
@@ -1252,7 +1252,7 @@
       </p:sp>
       <p:sp>
         <p:nvSpPr>
-          <p:cNvPr id="5" name="フッター プレースホルダー 4"/>
+          <p:cNvPr id="5" name="Footer Placeholder 4"/>
           <p:cNvSpPr>
             <a:spLocks noGrp="1"/>
           </p:cNvSpPr>
@@ -1271,7 +1271,7 @@
       </p:sp>
       <p:sp>
         <p:nvSpPr>
-          <p:cNvPr id="6" name="スライド番号プレースホルダー 5"/>
+          <p:cNvPr id="6" name="Slide Number Placeholder 5"/>
           <p:cNvSpPr>
             <a:spLocks noGrp="1"/>
           </p:cNvSpPr>
@@ -1295,7 +1295,7 @@
     </p:spTree>
     <p:extLst>
       <p:ext uri="{BB962C8B-B14F-4D97-AF65-F5344CB8AC3E}">
-        <p14:creationId xmlns:p14="http://schemas.microsoft.com/office/powerpoint/2010/main" val="2655268122"/>
+        <p14:creationId xmlns:p14="http://schemas.microsoft.com/office/powerpoint/2010/main" val="1414253846"/>
       </p:ext>
     </p:extLst>
   </p:cSld>
@@ -1324,7 +1324,7 @@
       </p:grpSpPr>
       <p:sp>
         <p:nvSpPr>
-          <p:cNvPr id="2" name="タイトル 1"/>
+          <p:cNvPr id="2" name="Title 1"/>
           <p:cNvSpPr>
             <a:spLocks noGrp="1"/>
           </p:cNvSpPr>
@@ -1334,29 +1334,29 @@
         </p:nvSpPr>
         <p:spPr>
           <a:xfrm>
-            <a:off x="831850" y="1709739"/>
-            <a:ext cx="10515600" cy="2852737"/>
+            <a:off x="831850" y="717932"/>
+            <a:ext cx="10515600" cy="1197885"/>
           </a:xfrm>
         </p:spPr>
         <p:txBody>
           <a:bodyPr anchor="b"/>
           <a:lstStyle>
             <a:lvl1pPr>
-              <a:defRPr sz="6000"/>
+              <a:defRPr sz="2519"/>
             </a:lvl1pPr>
           </a:lstStyle>
           <a:p>
             <a:r>
-              <a:rPr kumimoji="1" lang="ja-JP" altLang="en-US" smtClean="0"/>
+              <a:rPr lang="ja-JP" altLang="en-US" smtClean="0"/>
               <a:t>マスター タイトルの書式設定</a:t>
             </a:r>
-            <a:endParaRPr kumimoji="1" lang="ja-JP" altLang="en-US"/>
-          </a:p>
-        </p:txBody>
-      </p:sp>
-      <p:sp>
-        <p:nvSpPr>
-          <p:cNvPr id="3" name="テキスト プレースホルダー 2"/>
+            <a:endParaRPr lang="en-US" dirty="0"/>
+          </a:p>
+        </p:txBody>
+      </p:sp>
+      <p:sp>
+        <p:nvSpPr>
+          <p:cNvPr id="3" name="Text Placeholder 2"/>
           <p:cNvSpPr>
             <a:spLocks noGrp="1"/>
           </p:cNvSpPr>
@@ -1366,8 +1366,8 @@
         </p:nvSpPr>
         <p:spPr>
           <a:xfrm>
-            <a:off x="831850" y="4589464"/>
-            <a:ext cx="10515600" cy="1500187"/>
+            <a:off x="831850" y="1927150"/>
+            <a:ext cx="10515600" cy="629940"/>
           </a:xfrm>
         </p:spPr>
         <p:txBody>
@@ -1375,7 +1375,7 @@
           <a:lstStyle>
             <a:lvl1pPr marL="0" indent="0">
               <a:buNone/>
-              <a:defRPr sz="2400">
+              <a:defRPr sz="1008">
                 <a:solidFill>
                   <a:schemeClr val="tx1">
                     <a:tint val="75000"/>
@@ -1383,9 +1383,9 @@
                 </a:solidFill>
               </a:defRPr>
             </a:lvl1pPr>
-            <a:lvl2pPr marL="457195" indent="0">
-              <a:buNone/>
-              <a:defRPr sz="2000">
+            <a:lvl2pPr marL="191978" indent="0">
+              <a:buNone/>
+              <a:defRPr sz="840">
                 <a:solidFill>
                   <a:schemeClr val="tx1">
                     <a:tint val="75000"/>
@@ -1393,9 +1393,9 @@
                 </a:solidFill>
               </a:defRPr>
             </a:lvl2pPr>
-            <a:lvl3pPr marL="914392" indent="0">
-              <a:buNone/>
-              <a:defRPr sz="1800">
+            <a:lvl3pPr marL="383957" indent="0">
+              <a:buNone/>
+              <a:defRPr sz="756">
                 <a:solidFill>
                   <a:schemeClr val="tx1">
                     <a:tint val="75000"/>
@@ -1403,9 +1403,9 @@
                 </a:solidFill>
               </a:defRPr>
             </a:lvl3pPr>
-            <a:lvl4pPr marL="1371588" indent="0">
-              <a:buNone/>
-              <a:defRPr sz="1600">
+            <a:lvl4pPr marL="575935" indent="0">
+              <a:buNone/>
+              <a:defRPr sz="672">
                 <a:solidFill>
                   <a:schemeClr val="tx1">
                     <a:tint val="75000"/>
@@ -1413,9 +1413,9 @@
                 </a:solidFill>
               </a:defRPr>
             </a:lvl4pPr>
-            <a:lvl5pPr marL="1828783" indent="0">
-              <a:buNone/>
-              <a:defRPr sz="1600">
+            <a:lvl5pPr marL="767913" indent="0">
+              <a:buNone/>
+              <a:defRPr sz="672">
                 <a:solidFill>
                   <a:schemeClr val="tx1">
                     <a:tint val="75000"/>
@@ -1423,9 +1423,9 @@
                 </a:solidFill>
               </a:defRPr>
             </a:lvl5pPr>
-            <a:lvl6pPr marL="2285980" indent="0">
-              <a:buNone/>
-              <a:defRPr sz="1600">
+            <a:lvl6pPr marL="959891" indent="0">
+              <a:buNone/>
+              <a:defRPr sz="672">
                 <a:solidFill>
                   <a:schemeClr val="tx1">
                     <a:tint val="75000"/>
@@ -1433,9 +1433,9 @@
                 </a:solidFill>
               </a:defRPr>
             </a:lvl6pPr>
-            <a:lvl7pPr marL="2743175" indent="0">
-              <a:buNone/>
-              <a:defRPr sz="1600">
+            <a:lvl7pPr marL="1151870" indent="0">
+              <a:buNone/>
+              <a:defRPr sz="672">
                 <a:solidFill>
                   <a:schemeClr val="tx1">
                     <a:tint val="75000"/>
@@ -1443,9 +1443,9 @@
                 </a:solidFill>
               </a:defRPr>
             </a:lvl7pPr>
-            <a:lvl8pPr marL="3200372" indent="0">
-              <a:buNone/>
-              <a:defRPr sz="1600">
+            <a:lvl8pPr marL="1343848" indent="0">
+              <a:buNone/>
+              <a:defRPr sz="672">
                 <a:solidFill>
                   <a:schemeClr val="tx1">
                     <a:tint val="75000"/>
@@ -1453,9 +1453,9 @@
                 </a:solidFill>
               </a:defRPr>
             </a:lvl8pPr>
-            <a:lvl9pPr marL="3657567" indent="0">
-              <a:buNone/>
-              <a:defRPr sz="1600">
+            <a:lvl9pPr marL="1535826" indent="0">
+              <a:buNone/>
+              <a:defRPr sz="672">
                 <a:solidFill>
                   <a:schemeClr val="tx1">
                     <a:tint val="75000"/>
@@ -1467,7 +1467,7 @@
           <a:p>
             <a:pPr lvl="0"/>
             <a:r>
-              <a:rPr kumimoji="1" lang="ja-JP" altLang="en-US" smtClean="0"/>
+              <a:rPr lang="ja-JP" altLang="en-US" smtClean="0"/>
               <a:t>マスター テキストの書式設定</a:t>
             </a:r>
           </a:p>
@@ -1475,7 +1475,7 @@
       </p:sp>
       <p:sp>
         <p:nvSpPr>
-          <p:cNvPr id="4" name="日付プレースホルダー 3"/>
+          <p:cNvPr id="4" name="Date Placeholder 3"/>
           <p:cNvSpPr>
             <a:spLocks noGrp="1"/>
           </p:cNvSpPr>
@@ -1490,7 +1490,7 @@
           <a:p>
             <a:fld id="{AA641DB4-C951-4763-94FC-F650C3AA7E65}" type="datetimeFigureOut">
               <a:rPr kumimoji="1" lang="ja-JP" altLang="en-US" smtClean="0"/>
-              <a:t>2017/2/3</a:t>
+              <a:t>2017/11/16</a:t>
             </a:fld>
             <a:endParaRPr kumimoji="1" lang="ja-JP" altLang="en-US"/>
           </a:p>
@@ -1498,7 +1498,7 @@
       </p:sp>
       <p:sp>
         <p:nvSpPr>
-          <p:cNvPr id="5" name="フッター プレースホルダー 4"/>
+          <p:cNvPr id="5" name="Footer Placeholder 4"/>
           <p:cNvSpPr>
             <a:spLocks noGrp="1"/>
           </p:cNvSpPr>
@@ -1517,7 +1517,7 @@
       </p:sp>
       <p:sp>
         <p:nvSpPr>
-          <p:cNvPr id="6" name="スライド番号プレースホルダー 5"/>
+          <p:cNvPr id="6" name="Slide Number Placeholder 5"/>
           <p:cNvSpPr>
             <a:spLocks noGrp="1"/>
           </p:cNvSpPr>
@@ -1541,7 +1541,7 @@
     </p:spTree>
     <p:extLst>
       <p:ext uri="{BB962C8B-B14F-4D97-AF65-F5344CB8AC3E}">
-        <p14:creationId xmlns:p14="http://schemas.microsoft.com/office/powerpoint/2010/main" val="395054707"/>
+        <p14:creationId xmlns:p14="http://schemas.microsoft.com/office/powerpoint/2010/main" val="3450257869"/>
       </p:ext>
     </p:extLst>
   </p:cSld>
@@ -1570,7 +1570,7 @@
       </p:grpSpPr>
       <p:sp>
         <p:nvSpPr>
-          <p:cNvPr id="2" name="タイトル 1"/>
+          <p:cNvPr id="2" name="Title 1"/>
           <p:cNvSpPr>
             <a:spLocks noGrp="1"/>
           </p:cNvSpPr>
@@ -1584,16 +1584,16 @@
           <a:lstStyle/>
           <a:p>
             <a:r>
-              <a:rPr kumimoji="1" lang="ja-JP" altLang="en-US" smtClean="0"/>
+              <a:rPr lang="ja-JP" altLang="en-US" smtClean="0"/>
               <a:t>マスター タイトルの書式設定</a:t>
             </a:r>
-            <a:endParaRPr kumimoji="1" lang="ja-JP" altLang="en-US"/>
-          </a:p>
-        </p:txBody>
-      </p:sp>
-      <p:sp>
-        <p:nvSpPr>
-          <p:cNvPr id="3" name="コンテンツ プレースホルダー 2"/>
+            <a:endParaRPr lang="en-US" dirty="0"/>
+          </a:p>
+        </p:txBody>
+      </p:sp>
+      <p:sp>
+        <p:nvSpPr>
+          <p:cNvPr id="3" name="Content Placeholder 2"/>
           <p:cNvSpPr>
             <a:spLocks noGrp="1"/>
           </p:cNvSpPr>
@@ -1603,8 +1603,8 @@
         </p:nvSpPr>
         <p:spPr>
           <a:xfrm>
-            <a:off x="838200" y="1825625"/>
-            <a:ext cx="5181600" cy="4351338"/>
+            <a:off x="838200" y="766593"/>
+            <a:ext cx="5181600" cy="1827159"/>
           </a:xfrm>
         </p:spPr>
         <p:txBody>
@@ -1613,76 +1613,76 @@
           <a:p>
             <a:pPr lvl="0"/>
             <a:r>
-              <a:rPr kumimoji="1" lang="ja-JP" altLang="en-US" smtClean="0"/>
+              <a:rPr lang="ja-JP" altLang="en-US" smtClean="0"/>
               <a:t>マスター テキストの書式設定</a:t>
             </a:r>
           </a:p>
           <a:p>
             <a:pPr lvl="1"/>
             <a:r>
-              <a:rPr kumimoji="1" lang="ja-JP" altLang="en-US" smtClean="0"/>
+              <a:rPr lang="ja-JP" altLang="en-US" smtClean="0"/>
               <a:t>第 </a:t>
             </a:r>
             <a:r>
-              <a:rPr kumimoji="1" lang="en-US" altLang="ja-JP" smtClean="0"/>
+              <a:rPr lang="en-US" altLang="ja-JP" smtClean="0"/>
               <a:t>2 </a:t>
             </a:r>
             <a:r>
-              <a:rPr kumimoji="1" lang="ja-JP" altLang="en-US" smtClean="0"/>
+              <a:rPr lang="ja-JP" altLang="en-US" smtClean="0"/>
               <a:t>レベル</a:t>
             </a:r>
           </a:p>
           <a:p>
             <a:pPr lvl="2"/>
             <a:r>
-              <a:rPr kumimoji="1" lang="ja-JP" altLang="en-US" smtClean="0"/>
+              <a:rPr lang="ja-JP" altLang="en-US" smtClean="0"/>
               <a:t>第 </a:t>
             </a:r>
             <a:r>
-              <a:rPr kumimoji="1" lang="en-US" altLang="ja-JP" smtClean="0"/>
+              <a:rPr lang="en-US" altLang="ja-JP" smtClean="0"/>
               <a:t>3 </a:t>
             </a:r>
             <a:r>
-              <a:rPr kumimoji="1" lang="ja-JP" altLang="en-US" smtClean="0"/>
+              <a:rPr lang="ja-JP" altLang="en-US" smtClean="0"/>
               <a:t>レベル</a:t>
             </a:r>
           </a:p>
           <a:p>
             <a:pPr lvl="3"/>
             <a:r>
-              <a:rPr kumimoji="1" lang="ja-JP" altLang="en-US" smtClean="0"/>
+              <a:rPr lang="ja-JP" altLang="en-US" smtClean="0"/>
               <a:t>第 </a:t>
             </a:r>
             <a:r>
-              <a:rPr kumimoji="1" lang="en-US" altLang="ja-JP" smtClean="0"/>
+              <a:rPr lang="en-US" altLang="ja-JP" smtClean="0"/>
               <a:t>4 </a:t>
             </a:r>
             <a:r>
-              <a:rPr kumimoji="1" lang="ja-JP" altLang="en-US" smtClean="0"/>
+              <a:rPr lang="ja-JP" altLang="en-US" smtClean="0"/>
               <a:t>レベル</a:t>
             </a:r>
           </a:p>
           <a:p>
             <a:pPr lvl="4"/>
             <a:r>
-              <a:rPr kumimoji="1" lang="ja-JP" altLang="en-US" smtClean="0"/>
+              <a:rPr lang="ja-JP" altLang="en-US" smtClean="0"/>
               <a:t>第 </a:t>
             </a:r>
             <a:r>
-              <a:rPr kumimoji="1" lang="en-US" altLang="ja-JP" smtClean="0"/>
+              <a:rPr lang="en-US" altLang="ja-JP" smtClean="0"/>
               <a:t>5 </a:t>
             </a:r>
             <a:r>
-              <a:rPr kumimoji="1" lang="ja-JP" altLang="en-US" smtClean="0"/>
+              <a:rPr lang="ja-JP" altLang="en-US" smtClean="0"/>
               <a:t>レベル</a:t>
             </a:r>
-            <a:endParaRPr kumimoji="1" lang="ja-JP" altLang="en-US"/>
-          </a:p>
-        </p:txBody>
-      </p:sp>
-      <p:sp>
-        <p:nvSpPr>
-          <p:cNvPr id="4" name="コンテンツ プレースホルダー 3"/>
+            <a:endParaRPr lang="en-US" dirty="0"/>
+          </a:p>
+        </p:txBody>
+      </p:sp>
+      <p:sp>
+        <p:nvSpPr>
+          <p:cNvPr id="4" name="Content Placeholder 3"/>
           <p:cNvSpPr>
             <a:spLocks noGrp="1"/>
           </p:cNvSpPr>
@@ -1692,8 +1692,8 @@
         </p:nvSpPr>
         <p:spPr>
           <a:xfrm>
-            <a:off x="6172200" y="1825625"/>
-            <a:ext cx="5181600" cy="4351338"/>
+            <a:off x="6172200" y="766593"/>
+            <a:ext cx="5181600" cy="1827159"/>
           </a:xfrm>
         </p:spPr>
         <p:txBody>
@@ -1702,76 +1702,76 @@
           <a:p>
             <a:pPr lvl="0"/>
             <a:r>
-              <a:rPr kumimoji="1" lang="ja-JP" altLang="en-US" smtClean="0"/>
+              <a:rPr lang="ja-JP" altLang="en-US" smtClean="0"/>
               <a:t>マスター テキストの書式設定</a:t>
             </a:r>
           </a:p>
           <a:p>
             <a:pPr lvl="1"/>
             <a:r>
-              <a:rPr kumimoji="1" lang="ja-JP" altLang="en-US" smtClean="0"/>
+              <a:rPr lang="ja-JP" altLang="en-US" smtClean="0"/>
               <a:t>第 </a:t>
             </a:r>
             <a:r>
-              <a:rPr kumimoji="1" lang="en-US" altLang="ja-JP" smtClean="0"/>
+              <a:rPr lang="en-US" altLang="ja-JP" smtClean="0"/>
               <a:t>2 </a:t>
             </a:r>
             <a:r>
-              <a:rPr kumimoji="1" lang="ja-JP" altLang="en-US" smtClean="0"/>
+              <a:rPr lang="ja-JP" altLang="en-US" smtClean="0"/>
               <a:t>レベル</a:t>
             </a:r>
           </a:p>
           <a:p>
             <a:pPr lvl="2"/>
             <a:r>
-              <a:rPr kumimoji="1" lang="ja-JP" altLang="en-US" smtClean="0"/>
+              <a:rPr lang="ja-JP" altLang="en-US" smtClean="0"/>
               <a:t>第 </a:t>
             </a:r>
             <a:r>
-              <a:rPr kumimoji="1" lang="en-US" altLang="ja-JP" smtClean="0"/>
+              <a:rPr lang="en-US" altLang="ja-JP" smtClean="0"/>
               <a:t>3 </a:t>
             </a:r>
             <a:r>
-              <a:rPr kumimoji="1" lang="ja-JP" altLang="en-US" smtClean="0"/>
+              <a:rPr lang="ja-JP" altLang="en-US" smtClean="0"/>
               <a:t>レベル</a:t>
             </a:r>
           </a:p>
           <a:p>
             <a:pPr lvl="3"/>
             <a:r>
-              <a:rPr kumimoji="1" lang="ja-JP" altLang="en-US" smtClean="0"/>
+              <a:rPr lang="ja-JP" altLang="en-US" smtClean="0"/>
               <a:t>第 </a:t>
             </a:r>
             <a:r>
-              <a:rPr kumimoji="1" lang="en-US" altLang="ja-JP" smtClean="0"/>
+              <a:rPr lang="en-US" altLang="ja-JP" smtClean="0"/>
               <a:t>4 </a:t>
             </a:r>
             <a:r>
-              <a:rPr kumimoji="1" lang="ja-JP" altLang="en-US" smtClean="0"/>
+              <a:rPr lang="ja-JP" altLang="en-US" smtClean="0"/>
               <a:t>レベル</a:t>
             </a:r>
           </a:p>
           <a:p>
             <a:pPr lvl="4"/>
             <a:r>
-              <a:rPr kumimoji="1" lang="ja-JP" altLang="en-US" smtClean="0"/>
+              <a:rPr lang="ja-JP" altLang="en-US" smtClean="0"/>
               <a:t>第 </a:t>
             </a:r>
             <a:r>
-              <a:rPr kumimoji="1" lang="en-US" altLang="ja-JP" smtClean="0"/>
+              <a:rPr lang="en-US" altLang="ja-JP" smtClean="0"/>
               <a:t>5 </a:t>
             </a:r>
             <a:r>
-              <a:rPr kumimoji="1" lang="ja-JP" altLang="en-US" smtClean="0"/>
+              <a:rPr lang="ja-JP" altLang="en-US" smtClean="0"/>
               <a:t>レベル</a:t>
             </a:r>
-            <a:endParaRPr kumimoji="1" lang="ja-JP" altLang="en-US"/>
-          </a:p>
-        </p:txBody>
-      </p:sp>
-      <p:sp>
-        <p:nvSpPr>
-          <p:cNvPr id="5" name="日付プレースホルダー 4"/>
+            <a:endParaRPr lang="en-US" dirty="0"/>
+          </a:p>
+        </p:txBody>
+      </p:sp>
+      <p:sp>
+        <p:nvSpPr>
+          <p:cNvPr id="5" name="Date Placeholder 4"/>
           <p:cNvSpPr>
             <a:spLocks noGrp="1"/>
           </p:cNvSpPr>
@@ -1786,7 +1786,7 @@
           <a:p>
             <a:fld id="{AA641DB4-C951-4763-94FC-F650C3AA7E65}" type="datetimeFigureOut">
               <a:rPr kumimoji="1" lang="ja-JP" altLang="en-US" smtClean="0"/>
-              <a:t>2017/2/3</a:t>
+              <a:t>2017/11/16</a:t>
             </a:fld>
             <a:endParaRPr kumimoji="1" lang="ja-JP" altLang="en-US"/>
           </a:p>
@@ -1794,7 +1794,7 @@
       </p:sp>
       <p:sp>
         <p:nvSpPr>
-          <p:cNvPr id="6" name="フッター プレースホルダー 5"/>
+          <p:cNvPr id="6" name="Footer Placeholder 5"/>
           <p:cNvSpPr>
             <a:spLocks noGrp="1"/>
           </p:cNvSpPr>
@@ -1813,7 +1813,7 @@
       </p:sp>
       <p:sp>
         <p:nvSpPr>
-          <p:cNvPr id="7" name="スライド番号プレースホルダー 6"/>
+          <p:cNvPr id="7" name="Slide Number Placeholder 6"/>
           <p:cNvSpPr>
             <a:spLocks noGrp="1"/>
           </p:cNvSpPr>
@@ -1837,7 +1837,7 @@
     </p:spTree>
     <p:extLst>
       <p:ext uri="{BB962C8B-B14F-4D97-AF65-F5344CB8AC3E}">
-        <p14:creationId xmlns:p14="http://schemas.microsoft.com/office/powerpoint/2010/main" val="1422103378"/>
+        <p14:creationId xmlns:p14="http://schemas.microsoft.com/office/powerpoint/2010/main" val="3768920988"/>
       </p:ext>
     </p:extLst>
   </p:cSld>
@@ -1866,7 +1866,7 @@
       </p:grpSpPr>
       <p:sp>
         <p:nvSpPr>
-          <p:cNvPr id="2" name="タイトル 1"/>
+          <p:cNvPr id="2" name="Title 1"/>
           <p:cNvSpPr>
             <a:spLocks noGrp="1"/>
           </p:cNvSpPr>
@@ -1876,8 +1876,8 @@
         </p:nvSpPr>
         <p:spPr>
           <a:xfrm>
-            <a:off x="839788" y="365126"/>
-            <a:ext cx="10515600" cy="1325563"/>
+            <a:off x="839788" y="153319"/>
+            <a:ext cx="10515600" cy="556614"/>
           </a:xfrm>
         </p:spPr>
         <p:txBody>
@@ -1885,16 +1885,16 @@
           <a:lstStyle/>
           <a:p>
             <a:r>
-              <a:rPr kumimoji="1" lang="ja-JP" altLang="en-US" smtClean="0"/>
+              <a:rPr lang="ja-JP" altLang="en-US" smtClean="0"/>
               <a:t>マスター タイトルの書式設定</a:t>
             </a:r>
-            <a:endParaRPr kumimoji="1" lang="ja-JP" altLang="en-US"/>
-          </a:p>
-        </p:txBody>
-      </p:sp>
-      <p:sp>
-        <p:nvSpPr>
-          <p:cNvPr id="3" name="テキスト プレースホルダー 2"/>
+            <a:endParaRPr lang="en-US" dirty="0"/>
+          </a:p>
+        </p:txBody>
+      </p:sp>
+      <p:sp>
+        <p:nvSpPr>
+          <p:cNvPr id="3" name="Text Placeholder 2"/>
           <p:cNvSpPr>
             <a:spLocks noGrp="1"/>
           </p:cNvSpPr>
@@ -1904,8 +1904,8 @@
         </p:nvSpPr>
         <p:spPr>
           <a:xfrm>
-            <a:off x="839790" y="1681164"/>
-            <a:ext cx="5157787" cy="823911"/>
+            <a:off x="839789" y="705933"/>
+            <a:ext cx="5157787" cy="345967"/>
           </a:xfrm>
         </p:spPr>
         <p:txBody>
@@ -1913,45 +1913,45 @@
           <a:lstStyle>
             <a:lvl1pPr marL="0" indent="0">
               <a:buNone/>
-              <a:defRPr sz="2400" b="1"/>
+              <a:defRPr sz="1008" b="1"/>
             </a:lvl1pPr>
-            <a:lvl2pPr marL="457195" indent="0">
-              <a:buNone/>
-              <a:defRPr sz="2000" b="1"/>
+            <a:lvl2pPr marL="191978" indent="0">
+              <a:buNone/>
+              <a:defRPr sz="840" b="1"/>
             </a:lvl2pPr>
-            <a:lvl3pPr marL="914392" indent="0">
-              <a:buNone/>
-              <a:defRPr sz="1800" b="1"/>
+            <a:lvl3pPr marL="383957" indent="0">
+              <a:buNone/>
+              <a:defRPr sz="756" b="1"/>
             </a:lvl3pPr>
-            <a:lvl4pPr marL="1371588" indent="0">
-              <a:buNone/>
-              <a:defRPr sz="1600" b="1"/>
+            <a:lvl4pPr marL="575935" indent="0">
+              <a:buNone/>
+              <a:defRPr sz="672" b="1"/>
             </a:lvl4pPr>
-            <a:lvl5pPr marL="1828783" indent="0">
-              <a:buNone/>
-              <a:defRPr sz="1600" b="1"/>
+            <a:lvl5pPr marL="767913" indent="0">
+              <a:buNone/>
+              <a:defRPr sz="672" b="1"/>
             </a:lvl5pPr>
-            <a:lvl6pPr marL="2285980" indent="0">
-              <a:buNone/>
-              <a:defRPr sz="1600" b="1"/>
+            <a:lvl6pPr marL="959891" indent="0">
+              <a:buNone/>
+              <a:defRPr sz="672" b="1"/>
             </a:lvl6pPr>
-            <a:lvl7pPr marL="2743175" indent="0">
-              <a:buNone/>
-              <a:defRPr sz="1600" b="1"/>
+            <a:lvl7pPr marL="1151870" indent="0">
+              <a:buNone/>
+              <a:defRPr sz="672" b="1"/>
             </a:lvl7pPr>
-            <a:lvl8pPr marL="3200372" indent="0">
-              <a:buNone/>
-              <a:defRPr sz="1600" b="1"/>
+            <a:lvl8pPr marL="1343848" indent="0">
+              <a:buNone/>
+              <a:defRPr sz="672" b="1"/>
             </a:lvl8pPr>
-            <a:lvl9pPr marL="3657567" indent="0">
-              <a:buNone/>
-              <a:defRPr sz="1600" b="1"/>
+            <a:lvl9pPr marL="1535826" indent="0">
+              <a:buNone/>
+              <a:defRPr sz="672" b="1"/>
             </a:lvl9pPr>
           </a:lstStyle>
           <a:p>
             <a:pPr lvl="0"/>
             <a:r>
-              <a:rPr kumimoji="1" lang="ja-JP" altLang="en-US" smtClean="0"/>
+              <a:rPr lang="ja-JP" altLang="en-US" smtClean="0"/>
               <a:t>マスター テキストの書式設定</a:t>
             </a:r>
           </a:p>
@@ -1959,7 +1959,7 @@
       </p:sp>
       <p:sp>
         <p:nvSpPr>
-          <p:cNvPr id="4" name="コンテンツ プレースホルダー 3"/>
+          <p:cNvPr id="4" name="Content Placeholder 3"/>
           <p:cNvSpPr>
             <a:spLocks noGrp="1"/>
           </p:cNvSpPr>
@@ -1969,8 +1969,8 @@
         </p:nvSpPr>
         <p:spPr>
           <a:xfrm>
-            <a:off x="839790" y="2505076"/>
-            <a:ext cx="5157787" cy="3684588"/>
+            <a:off x="839789" y="1051899"/>
+            <a:ext cx="5157787" cy="1547186"/>
           </a:xfrm>
         </p:spPr>
         <p:txBody>
@@ -1979,76 +1979,76 @@
           <a:p>
             <a:pPr lvl="0"/>
             <a:r>
-              <a:rPr kumimoji="1" lang="ja-JP" altLang="en-US" smtClean="0"/>
+              <a:rPr lang="ja-JP" altLang="en-US" smtClean="0"/>
               <a:t>マスター テキストの書式設定</a:t>
             </a:r>
           </a:p>
           <a:p>
             <a:pPr lvl="1"/>
             <a:r>
-              <a:rPr kumimoji="1" lang="ja-JP" altLang="en-US" smtClean="0"/>
+              <a:rPr lang="ja-JP" altLang="en-US" smtClean="0"/>
               <a:t>第 </a:t>
             </a:r>
             <a:r>
-              <a:rPr kumimoji="1" lang="en-US" altLang="ja-JP" smtClean="0"/>
+              <a:rPr lang="en-US" altLang="ja-JP" smtClean="0"/>
               <a:t>2 </a:t>
             </a:r>
             <a:r>
-              <a:rPr kumimoji="1" lang="ja-JP" altLang="en-US" smtClean="0"/>
+              <a:rPr lang="ja-JP" altLang="en-US" smtClean="0"/>
               <a:t>レベル</a:t>
             </a:r>
           </a:p>
           <a:p>
             <a:pPr lvl="2"/>
             <a:r>
-              <a:rPr kumimoji="1" lang="ja-JP" altLang="en-US" smtClean="0"/>
+              <a:rPr lang="ja-JP" altLang="en-US" smtClean="0"/>
               <a:t>第 </a:t>
             </a:r>
             <a:r>
-              <a:rPr kumimoji="1" lang="en-US" altLang="ja-JP" smtClean="0"/>
+              <a:rPr lang="en-US" altLang="ja-JP" smtClean="0"/>
               <a:t>3 </a:t>
             </a:r>
             <a:r>
-              <a:rPr kumimoji="1" lang="ja-JP" altLang="en-US" smtClean="0"/>
+              <a:rPr lang="ja-JP" altLang="en-US" smtClean="0"/>
               <a:t>レベル</a:t>
             </a:r>
           </a:p>
           <a:p>
             <a:pPr lvl="3"/>
             <a:r>
-              <a:rPr kumimoji="1" lang="ja-JP" altLang="en-US" smtClean="0"/>
+              <a:rPr lang="ja-JP" altLang="en-US" smtClean="0"/>
               <a:t>第 </a:t>
             </a:r>
             <a:r>
-              <a:rPr kumimoji="1" lang="en-US" altLang="ja-JP" smtClean="0"/>
+              <a:rPr lang="en-US" altLang="ja-JP" smtClean="0"/>
               <a:t>4 </a:t>
             </a:r>
             <a:r>
-              <a:rPr kumimoji="1" lang="ja-JP" altLang="en-US" smtClean="0"/>
+              <a:rPr lang="ja-JP" altLang="en-US" smtClean="0"/>
               <a:t>レベル</a:t>
             </a:r>
           </a:p>
           <a:p>
             <a:pPr lvl="4"/>
             <a:r>
-              <a:rPr kumimoji="1" lang="ja-JP" altLang="en-US" smtClean="0"/>
+              <a:rPr lang="ja-JP" altLang="en-US" smtClean="0"/>
               <a:t>第 </a:t>
             </a:r>
             <a:r>
-              <a:rPr kumimoji="1" lang="en-US" altLang="ja-JP" smtClean="0"/>
+              <a:rPr lang="en-US" altLang="ja-JP" smtClean="0"/>
               <a:t>5 </a:t>
             </a:r>
             <a:r>
-              <a:rPr kumimoji="1" lang="ja-JP" altLang="en-US" smtClean="0"/>
+              <a:rPr lang="ja-JP" altLang="en-US" smtClean="0"/>
               <a:t>レベル</a:t>
             </a:r>
-            <a:endParaRPr kumimoji="1" lang="ja-JP" altLang="en-US"/>
-          </a:p>
-        </p:txBody>
-      </p:sp>
-      <p:sp>
-        <p:nvSpPr>
-          <p:cNvPr id="5" name="テキスト プレースホルダー 4"/>
+            <a:endParaRPr lang="en-US" dirty="0"/>
+          </a:p>
+        </p:txBody>
+      </p:sp>
+      <p:sp>
+        <p:nvSpPr>
+          <p:cNvPr id="5" name="Text Placeholder 4"/>
           <p:cNvSpPr>
             <a:spLocks noGrp="1"/>
           </p:cNvSpPr>
@@ -2058,8 +2058,8 @@
         </p:nvSpPr>
         <p:spPr>
           <a:xfrm>
-            <a:off x="6172200" y="1681164"/>
-            <a:ext cx="5183188" cy="823911"/>
+            <a:off x="6172200" y="705933"/>
+            <a:ext cx="5183188" cy="345967"/>
           </a:xfrm>
         </p:spPr>
         <p:txBody>
@@ -2067,45 +2067,45 @@
           <a:lstStyle>
             <a:lvl1pPr marL="0" indent="0">
               <a:buNone/>
-              <a:defRPr sz="2400" b="1"/>
+              <a:defRPr sz="1008" b="1"/>
             </a:lvl1pPr>
-            <a:lvl2pPr marL="457195" indent="0">
-              <a:buNone/>
-              <a:defRPr sz="2000" b="1"/>
+            <a:lvl2pPr marL="191978" indent="0">
+              <a:buNone/>
+              <a:defRPr sz="840" b="1"/>
             </a:lvl2pPr>
-            <a:lvl3pPr marL="914392" indent="0">
-              <a:buNone/>
-              <a:defRPr sz="1800" b="1"/>
+            <a:lvl3pPr marL="383957" indent="0">
+              <a:buNone/>
+              <a:defRPr sz="756" b="1"/>
             </a:lvl3pPr>
-            <a:lvl4pPr marL="1371588" indent="0">
-              <a:buNone/>
-              <a:defRPr sz="1600" b="1"/>
+            <a:lvl4pPr marL="575935" indent="0">
+              <a:buNone/>
+              <a:defRPr sz="672" b="1"/>
             </a:lvl4pPr>
-            <a:lvl5pPr marL="1828783" indent="0">
-              <a:buNone/>
-              <a:defRPr sz="1600" b="1"/>
+            <a:lvl5pPr marL="767913" indent="0">
+              <a:buNone/>
+              <a:defRPr sz="672" b="1"/>
             </a:lvl5pPr>
-            <a:lvl6pPr marL="2285980" indent="0">
-              <a:buNone/>
-              <a:defRPr sz="1600" b="1"/>
+            <a:lvl6pPr marL="959891" indent="0">
+              <a:buNone/>
+              <a:defRPr sz="672" b="1"/>
             </a:lvl6pPr>
-            <a:lvl7pPr marL="2743175" indent="0">
-              <a:buNone/>
-              <a:defRPr sz="1600" b="1"/>
+            <a:lvl7pPr marL="1151870" indent="0">
+              <a:buNone/>
+              <a:defRPr sz="672" b="1"/>
             </a:lvl7pPr>
-            <a:lvl8pPr marL="3200372" indent="0">
-              <a:buNone/>
-              <a:defRPr sz="1600" b="1"/>
+            <a:lvl8pPr marL="1343848" indent="0">
+              <a:buNone/>
+              <a:defRPr sz="672" b="1"/>
             </a:lvl8pPr>
-            <a:lvl9pPr marL="3657567" indent="0">
-              <a:buNone/>
-              <a:defRPr sz="1600" b="1"/>
+            <a:lvl9pPr marL="1535826" indent="0">
+              <a:buNone/>
+              <a:defRPr sz="672" b="1"/>
             </a:lvl9pPr>
           </a:lstStyle>
           <a:p>
             <a:pPr lvl="0"/>
             <a:r>
-              <a:rPr kumimoji="1" lang="ja-JP" altLang="en-US" smtClean="0"/>
+              <a:rPr lang="ja-JP" altLang="en-US" smtClean="0"/>
               <a:t>マスター テキストの書式設定</a:t>
             </a:r>
           </a:p>
@@ -2113,7 +2113,7 @@
       </p:sp>
       <p:sp>
         <p:nvSpPr>
-          <p:cNvPr id="6" name="コンテンツ プレースホルダー 5"/>
+          <p:cNvPr id="6" name="Content Placeholder 5"/>
           <p:cNvSpPr>
             <a:spLocks noGrp="1"/>
           </p:cNvSpPr>
@@ -2123,8 +2123,8 @@
         </p:nvSpPr>
         <p:spPr>
           <a:xfrm>
-            <a:off x="6172200" y="2505076"/>
-            <a:ext cx="5183188" cy="3684588"/>
+            <a:off x="6172200" y="1051899"/>
+            <a:ext cx="5183188" cy="1547186"/>
           </a:xfrm>
         </p:spPr>
         <p:txBody>
@@ -2133,76 +2133,76 @@
           <a:p>
             <a:pPr lvl="0"/>
             <a:r>
-              <a:rPr kumimoji="1" lang="ja-JP" altLang="en-US" smtClean="0"/>
+              <a:rPr lang="ja-JP" altLang="en-US" smtClean="0"/>
               <a:t>マスター テキストの書式設定</a:t>
             </a:r>
           </a:p>
           <a:p>
             <a:pPr lvl="1"/>
             <a:r>
-              <a:rPr kumimoji="1" lang="ja-JP" altLang="en-US" smtClean="0"/>
+              <a:rPr lang="ja-JP" altLang="en-US" smtClean="0"/>
               <a:t>第 </a:t>
             </a:r>
             <a:r>
-              <a:rPr kumimoji="1" lang="en-US" altLang="ja-JP" smtClean="0"/>
+              <a:rPr lang="en-US" altLang="ja-JP" smtClean="0"/>
               <a:t>2 </a:t>
             </a:r>
             <a:r>
-              <a:rPr kumimoji="1" lang="ja-JP" altLang="en-US" smtClean="0"/>
+              <a:rPr lang="ja-JP" altLang="en-US" smtClean="0"/>
               <a:t>レベル</a:t>
             </a:r>
           </a:p>
           <a:p>
             <a:pPr lvl="2"/>
             <a:r>
-              <a:rPr kumimoji="1" lang="ja-JP" altLang="en-US" smtClean="0"/>
+              <a:rPr lang="ja-JP" altLang="en-US" smtClean="0"/>
               <a:t>第 </a:t>
             </a:r>
             <a:r>
-              <a:rPr kumimoji="1" lang="en-US" altLang="ja-JP" smtClean="0"/>
+              <a:rPr lang="en-US" altLang="ja-JP" smtClean="0"/>
               <a:t>3 </a:t>
             </a:r>
             <a:r>
-              <a:rPr kumimoji="1" lang="ja-JP" altLang="en-US" smtClean="0"/>
+              <a:rPr lang="ja-JP" altLang="en-US" smtClean="0"/>
               <a:t>レベル</a:t>
             </a:r>
           </a:p>
           <a:p>
             <a:pPr lvl="3"/>
             <a:r>
-              <a:rPr kumimoji="1" lang="ja-JP" altLang="en-US" smtClean="0"/>
+              <a:rPr lang="ja-JP" altLang="en-US" smtClean="0"/>
               <a:t>第 </a:t>
             </a:r>
             <a:r>
-              <a:rPr kumimoji="1" lang="en-US" altLang="ja-JP" smtClean="0"/>
+              <a:rPr lang="en-US" altLang="ja-JP" smtClean="0"/>
               <a:t>4 </a:t>
             </a:r>
             <a:r>
-              <a:rPr kumimoji="1" lang="ja-JP" altLang="en-US" smtClean="0"/>
+              <a:rPr lang="ja-JP" altLang="en-US" smtClean="0"/>
               <a:t>レベル</a:t>
             </a:r>
           </a:p>
           <a:p>
             <a:pPr lvl="4"/>
             <a:r>
-              <a:rPr kumimoji="1" lang="ja-JP" altLang="en-US" smtClean="0"/>
+              <a:rPr lang="ja-JP" altLang="en-US" smtClean="0"/>
               <a:t>第 </a:t>
             </a:r>
             <a:r>
-              <a:rPr kumimoji="1" lang="en-US" altLang="ja-JP" smtClean="0"/>
+              <a:rPr lang="en-US" altLang="ja-JP" smtClean="0"/>
               <a:t>5 </a:t>
             </a:r>
             <a:r>
-              <a:rPr kumimoji="1" lang="ja-JP" altLang="en-US" smtClean="0"/>
+              <a:rPr lang="ja-JP" altLang="en-US" smtClean="0"/>
               <a:t>レベル</a:t>
             </a:r>
-            <a:endParaRPr kumimoji="1" lang="ja-JP" altLang="en-US"/>
-          </a:p>
-        </p:txBody>
-      </p:sp>
-      <p:sp>
-        <p:nvSpPr>
-          <p:cNvPr id="7" name="日付プレースホルダー 6"/>
+            <a:endParaRPr lang="en-US" dirty="0"/>
+          </a:p>
+        </p:txBody>
+      </p:sp>
+      <p:sp>
+        <p:nvSpPr>
+          <p:cNvPr id="7" name="Date Placeholder 6"/>
           <p:cNvSpPr>
             <a:spLocks noGrp="1"/>
           </p:cNvSpPr>
@@ -2217,7 +2217,7 @@
           <a:p>
             <a:fld id="{AA641DB4-C951-4763-94FC-F650C3AA7E65}" type="datetimeFigureOut">
               <a:rPr kumimoji="1" lang="ja-JP" altLang="en-US" smtClean="0"/>
-              <a:t>2017/2/3</a:t>
+              <a:t>2017/11/16</a:t>
             </a:fld>
             <a:endParaRPr kumimoji="1" lang="ja-JP" altLang="en-US"/>
           </a:p>
@@ -2225,7 +2225,7 @@
       </p:sp>
       <p:sp>
         <p:nvSpPr>
-          <p:cNvPr id="8" name="フッター プレースホルダー 7"/>
+          <p:cNvPr id="8" name="Footer Placeholder 7"/>
           <p:cNvSpPr>
             <a:spLocks noGrp="1"/>
           </p:cNvSpPr>
@@ -2244,7 +2244,7 @@
       </p:sp>
       <p:sp>
         <p:nvSpPr>
-          <p:cNvPr id="9" name="スライド番号プレースホルダー 8"/>
+          <p:cNvPr id="9" name="Slide Number Placeholder 8"/>
           <p:cNvSpPr>
             <a:spLocks noGrp="1"/>
           </p:cNvSpPr>
@@ -2268,7 +2268,7 @@
     </p:spTree>
     <p:extLst>
       <p:ext uri="{BB962C8B-B14F-4D97-AF65-F5344CB8AC3E}">
-        <p14:creationId xmlns:p14="http://schemas.microsoft.com/office/powerpoint/2010/main" val="1967088265"/>
+        <p14:creationId xmlns:p14="http://schemas.microsoft.com/office/powerpoint/2010/main" val="660298989"/>
       </p:ext>
     </p:extLst>
   </p:cSld>
@@ -2297,7 +2297,7 @@
       </p:grpSpPr>
       <p:sp>
         <p:nvSpPr>
-          <p:cNvPr id="2" name="タイトル 1"/>
+          <p:cNvPr id="2" name="Title 1"/>
           <p:cNvSpPr>
             <a:spLocks noGrp="1"/>
           </p:cNvSpPr>
@@ -2311,16 +2311,16 @@
           <a:lstStyle/>
           <a:p>
             <a:r>
-              <a:rPr kumimoji="1" lang="ja-JP" altLang="en-US" smtClean="0"/>
+              <a:rPr lang="ja-JP" altLang="en-US" smtClean="0"/>
               <a:t>マスター タイトルの書式設定</a:t>
             </a:r>
-            <a:endParaRPr kumimoji="1" lang="ja-JP" altLang="en-US"/>
-          </a:p>
-        </p:txBody>
-      </p:sp>
-      <p:sp>
-        <p:nvSpPr>
-          <p:cNvPr id="3" name="日付プレースホルダー 2"/>
+            <a:endParaRPr lang="en-US" dirty="0"/>
+          </a:p>
+        </p:txBody>
+      </p:sp>
+      <p:sp>
+        <p:nvSpPr>
+          <p:cNvPr id="3" name="Date Placeholder 2"/>
           <p:cNvSpPr>
             <a:spLocks noGrp="1"/>
           </p:cNvSpPr>
@@ -2335,7 +2335,7 @@
           <a:p>
             <a:fld id="{AA641DB4-C951-4763-94FC-F650C3AA7E65}" type="datetimeFigureOut">
               <a:rPr kumimoji="1" lang="ja-JP" altLang="en-US" smtClean="0"/>
-              <a:t>2017/2/3</a:t>
+              <a:t>2017/11/16</a:t>
             </a:fld>
             <a:endParaRPr kumimoji="1" lang="ja-JP" altLang="en-US"/>
           </a:p>
@@ -2343,7 +2343,7 @@
       </p:sp>
       <p:sp>
         <p:nvSpPr>
-          <p:cNvPr id="4" name="フッター プレースホルダー 3"/>
+          <p:cNvPr id="4" name="Footer Placeholder 3"/>
           <p:cNvSpPr>
             <a:spLocks noGrp="1"/>
           </p:cNvSpPr>
@@ -2362,7 +2362,7 @@
       </p:sp>
       <p:sp>
         <p:nvSpPr>
-          <p:cNvPr id="5" name="スライド番号プレースホルダー 4"/>
+          <p:cNvPr id="5" name="Slide Number Placeholder 4"/>
           <p:cNvSpPr>
             <a:spLocks noGrp="1"/>
           </p:cNvSpPr>
@@ -2386,7 +2386,7 @@
     </p:spTree>
     <p:extLst>
       <p:ext uri="{BB962C8B-B14F-4D97-AF65-F5344CB8AC3E}">
-        <p14:creationId xmlns:p14="http://schemas.microsoft.com/office/powerpoint/2010/main" val="2110663203"/>
+        <p14:creationId xmlns:p14="http://schemas.microsoft.com/office/powerpoint/2010/main" val="3279142321"/>
       </p:ext>
     </p:extLst>
   </p:cSld>
@@ -2415,7 +2415,7 @@
       </p:grpSpPr>
       <p:sp>
         <p:nvSpPr>
-          <p:cNvPr id="2" name="日付プレースホルダー 1"/>
+          <p:cNvPr id="2" name="Date Placeholder 1"/>
           <p:cNvSpPr>
             <a:spLocks noGrp="1"/>
           </p:cNvSpPr>
@@ -2430,7 +2430,7 @@
           <a:p>
             <a:fld id="{AA641DB4-C951-4763-94FC-F650C3AA7E65}" type="datetimeFigureOut">
               <a:rPr kumimoji="1" lang="ja-JP" altLang="en-US" smtClean="0"/>
-              <a:t>2017/2/3</a:t>
+              <a:t>2017/11/16</a:t>
             </a:fld>
             <a:endParaRPr kumimoji="1" lang="ja-JP" altLang="en-US"/>
           </a:p>
@@ -2438,7 +2438,7 @@
       </p:sp>
       <p:sp>
         <p:nvSpPr>
-          <p:cNvPr id="3" name="フッター プレースホルダー 2"/>
+          <p:cNvPr id="3" name="Footer Placeholder 2"/>
           <p:cNvSpPr>
             <a:spLocks noGrp="1"/>
           </p:cNvSpPr>
@@ -2457,7 +2457,7 @@
       </p:sp>
       <p:sp>
         <p:nvSpPr>
-          <p:cNvPr id="4" name="スライド番号プレースホルダー 3"/>
+          <p:cNvPr id="4" name="Slide Number Placeholder 3"/>
           <p:cNvSpPr>
             <a:spLocks noGrp="1"/>
           </p:cNvSpPr>
@@ -2481,7 +2481,7 @@
     </p:spTree>
     <p:extLst>
       <p:ext uri="{BB962C8B-B14F-4D97-AF65-F5344CB8AC3E}">
-        <p14:creationId xmlns:p14="http://schemas.microsoft.com/office/powerpoint/2010/main" val="2514589980"/>
+        <p14:creationId xmlns:p14="http://schemas.microsoft.com/office/powerpoint/2010/main" val="1759992134"/>
       </p:ext>
     </p:extLst>
   </p:cSld>
@@ -2510,7 +2510,7 @@
       </p:grpSpPr>
       <p:sp>
         <p:nvSpPr>
-          <p:cNvPr id="2" name="タイトル 1"/>
+          <p:cNvPr id="2" name="Title 1"/>
           <p:cNvSpPr>
             <a:spLocks noGrp="1"/>
           </p:cNvSpPr>
@@ -2520,29 +2520,29 @@
         </p:nvSpPr>
         <p:spPr>
           <a:xfrm>
-            <a:off x="839790" y="457200"/>
-            <a:ext cx="3932237" cy="1600200"/>
+            <a:off x="839789" y="191982"/>
+            <a:ext cx="3932237" cy="671936"/>
           </a:xfrm>
         </p:spPr>
         <p:txBody>
           <a:bodyPr anchor="b"/>
           <a:lstStyle>
             <a:lvl1pPr>
-              <a:defRPr sz="3200"/>
+              <a:defRPr sz="1344"/>
             </a:lvl1pPr>
           </a:lstStyle>
           <a:p>
             <a:r>
-              <a:rPr kumimoji="1" lang="ja-JP" altLang="en-US" smtClean="0"/>
+              <a:rPr lang="ja-JP" altLang="en-US" smtClean="0"/>
               <a:t>マスター タイトルの書式設定</a:t>
             </a:r>
-            <a:endParaRPr kumimoji="1" lang="ja-JP" altLang="en-US"/>
-          </a:p>
-        </p:txBody>
-      </p:sp>
-      <p:sp>
-        <p:nvSpPr>
-          <p:cNvPr id="3" name="コンテンツ プレースホルダー 2"/>
+            <a:endParaRPr lang="en-US" dirty="0"/>
+          </a:p>
+        </p:txBody>
+      </p:sp>
+      <p:sp>
+        <p:nvSpPr>
+          <p:cNvPr id="3" name="Content Placeholder 2"/>
           <p:cNvSpPr>
             <a:spLocks noGrp="1"/>
           </p:cNvSpPr>
@@ -2552,114 +2552,114 @@
         </p:nvSpPr>
         <p:spPr>
           <a:xfrm>
-            <a:off x="5183188" y="987426"/>
-            <a:ext cx="6172200" cy="4873625"/>
+            <a:off x="5183188" y="414627"/>
+            <a:ext cx="6172200" cy="2046471"/>
           </a:xfrm>
         </p:spPr>
         <p:txBody>
           <a:bodyPr/>
           <a:lstStyle>
             <a:lvl1pPr>
-              <a:defRPr sz="3200"/>
+              <a:defRPr sz="1344"/>
             </a:lvl1pPr>
             <a:lvl2pPr>
-              <a:defRPr sz="2800"/>
+              <a:defRPr sz="1176"/>
             </a:lvl2pPr>
             <a:lvl3pPr>
-              <a:defRPr sz="2400"/>
+              <a:defRPr sz="1008"/>
             </a:lvl3pPr>
             <a:lvl4pPr>
-              <a:defRPr sz="2000"/>
+              <a:defRPr sz="840"/>
             </a:lvl4pPr>
             <a:lvl5pPr>
-              <a:defRPr sz="2000"/>
+              <a:defRPr sz="840"/>
             </a:lvl5pPr>
             <a:lvl6pPr>
-              <a:defRPr sz="2000"/>
+              <a:defRPr sz="840"/>
             </a:lvl6pPr>
             <a:lvl7pPr>
-              <a:defRPr sz="2000"/>
+              <a:defRPr sz="840"/>
             </a:lvl7pPr>
             <a:lvl8pPr>
-              <a:defRPr sz="2000"/>
+              <a:defRPr sz="840"/>
             </a:lvl8pPr>
             <a:lvl9pPr>
-              <a:defRPr sz="2000"/>
+              <a:defRPr sz="840"/>
             </a:lvl9pPr>
           </a:lstStyle>
           <a:p>
             <a:pPr lvl="0"/>
             <a:r>
-              <a:rPr kumimoji="1" lang="ja-JP" altLang="en-US" smtClean="0"/>
+              <a:rPr lang="ja-JP" altLang="en-US" smtClean="0"/>
               <a:t>マスター テキストの書式設定</a:t>
             </a:r>
           </a:p>
           <a:p>
             <a:pPr lvl="1"/>
             <a:r>
-              <a:rPr kumimoji="1" lang="ja-JP" altLang="en-US" smtClean="0"/>
+              <a:rPr lang="ja-JP" altLang="en-US" smtClean="0"/>
               <a:t>第 </a:t>
             </a:r>
             <a:r>
-              <a:rPr kumimoji="1" lang="en-US" altLang="ja-JP" smtClean="0"/>
+              <a:rPr lang="en-US" altLang="ja-JP" smtClean="0"/>
               <a:t>2 </a:t>
             </a:r>
             <a:r>
-              <a:rPr kumimoji="1" lang="ja-JP" altLang="en-US" smtClean="0"/>
+              <a:rPr lang="ja-JP" altLang="en-US" smtClean="0"/>
               <a:t>レベル</a:t>
             </a:r>
           </a:p>
           <a:p>
             <a:pPr lvl="2"/>
             <a:r>
-              <a:rPr kumimoji="1" lang="ja-JP" altLang="en-US" smtClean="0"/>
+              <a:rPr lang="ja-JP" altLang="en-US" smtClean="0"/>
               <a:t>第 </a:t>
             </a:r>
             <a:r>
-              <a:rPr kumimoji="1" lang="en-US" altLang="ja-JP" smtClean="0"/>
+              <a:rPr lang="en-US" altLang="ja-JP" smtClean="0"/>
               <a:t>3 </a:t>
             </a:r>
             <a:r>
-              <a:rPr kumimoji="1" lang="ja-JP" altLang="en-US" smtClean="0"/>
+              <a:rPr lang="ja-JP" altLang="en-US" smtClean="0"/>
               <a:t>レベル</a:t>
             </a:r>
           </a:p>
           <a:p>
             <a:pPr lvl="3"/>
             <a:r>
-              <a:rPr kumimoji="1" lang="ja-JP" altLang="en-US" smtClean="0"/>
+              <a:rPr lang="ja-JP" altLang="en-US" smtClean="0"/>
               <a:t>第 </a:t>
             </a:r>
             <a:r>
-              <a:rPr kumimoji="1" lang="en-US" altLang="ja-JP" smtClean="0"/>
+              <a:rPr lang="en-US" altLang="ja-JP" smtClean="0"/>
               <a:t>4 </a:t>
             </a:r>
             <a:r>
-              <a:rPr kumimoji="1" lang="ja-JP" altLang="en-US" smtClean="0"/>
+              <a:rPr lang="ja-JP" altLang="en-US" smtClean="0"/>
               <a:t>レベル</a:t>
             </a:r>
           </a:p>
           <a:p>
             <a:pPr lvl="4"/>
             <a:r>
-              <a:rPr kumimoji="1" lang="ja-JP" altLang="en-US" smtClean="0"/>
+              <a:rPr lang="ja-JP" altLang="en-US" smtClean="0"/>
               <a:t>第 </a:t>
             </a:r>
             <a:r>
-              <a:rPr kumimoji="1" lang="en-US" altLang="ja-JP" smtClean="0"/>
+              <a:rPr lang="en-US" altLang="ja-JP" smtClean="0"/>
               <a:t>5 </a:t>
             </a:r>
             <a:r>
-              <a:rPr kumimoji="1" lang="ja-JP" altLang="en-US" smtClean="0"/>
+              <a:rPr lang="ja-JP" altLang="en-US" smtClean="0"/>
               <a:t>レベル</a:t>
             </a:r>
-            <a:endParaRPr kumimoji="1" lang="ja-JP" altLang="en-US"/>
-          </a:p>
-        </p:txBody>
-      </p:sp>
-      <p:sp>
-        <p:nvSpPr>
-          <p:cNvPr id="4" name="テキスト プレースホルダー 3"/>
+            <a:endParaRPr lang="en-US" dirty="0"/>
+          </a:p>
+        </p:txBody>
+      </p:sp>
+      <p:sp>
+        <p:nvSpPr>
+          <p:cNvPr id="4" name="Text Placeholder 3"/>
           <p:cNvSpPr>
             <a:spLocks noGrp="1"/>
           </p:cNvSpPr>
@@ -2669,8 +2669,8 @@
         </p:nvSpPr>
         <p:spPr>
           <a:xfrm>
-            <a:off x="839790" y="2057400"/>
-            <a:ext cx="3932237" cy="3811589"/>
+            <a:off x="839789" y="863918"/>
+            <a:ext cx="3932237" cy="1600514"/>
           </a:xfrm>
         </p:spPr>
         <p:txBody>
@@ -2678,45 +2678,45 @@
           <a:lstStyle>
             <a:lvl1pPr marL="0" indent="0">
               <a:buNone/>
-              <a:defRPr sz="1600"/>
+              <a:defRPr sz="672"/>
             </a:lvl1pPr>
-            <a:lvl2pPr marL="457195" indent="0">
-              <a:buNone/>
-              <a:defRPr sz="1400"/>
+            <a:lvl2pPr marL="191978" indent="0">
+              <a:buNone/>
+              <a:defRPr sz="588"/>
             </a:lvl2pPr>
-            <a:lvl3pPr marL="914392" indent="0">
-              <a:buNone/>
-              <a:defRPr sz="1200"/>
+            <a:lvl3pPr marL="383957" indent="0">
+              <a:buNone/>
+              <a:defRPr sz="504"/>
             </a:lvl3pPr>
-            <a:lvl4pPr marL="1371588" indent="0">
-              <a:buNone/>
-              <a:defRPr sz="1000"/>
+            <a:lvl4pPr marL="575935" indent="0">
+              <a:buNone/>
+              <a:defRPr sz="420"/>
             </a:lvl4pPr>
-            <a:lvl5pPr marL="1828783" indent="0">
-              <a:buNone/>
-              <a:defRPr sz="1000"/>
+            <a:lvl5pPr marL="767913" indent="0">
+              <a:buNone/>
+              <a:defRPr sz="420"/>
             </a:lvl5pPr>
-            <a:lvl6pPr marL="2285980" indent="0">
-              <a:buNone/>
-              <a:defRPr sz="1000"/>
+            <a:lvl6pPr marL="959891" indent="0">
+              <a:buNone/>
+              <a:defRPr sz="420"/>
             </a:lvl6pPr>
-            <a:lvl7pPr marL="2743175" indent="0">
-              <a:buNone/>
-              <a:defRPr sz="1000"/>
+            <a:lvl7pPr marL="1151870" indent="0">
+              <a:buNone/>
+              <a:defRPr sz="420"/>
             </a:lvl7pPr>
-            <a:lvl8pPr marL="3200372" indent="0">
-              <a:buNone/>
-              <a:defRPr sz="1000"/>
+            <a:lvl8pPr marL="1343848" indent="0">
+              <a:buNone/>
+              <a:defRPr sz="420"/>
             </a:lvl8pPr>
-            <a:lvl9pPr marL="3657567" indent="0">
-              <a:buNone/>
-              <a:defRPr sz="1000"/>
+            <a:lvl9pPr marL="1535826" indent="0">
+              <a:buNone/>
+              <a:defRPr sz="420"/>
             </a:lvl9pPr>
           </a:lstStyle>
           <a:p>
             <a:pPr lvl="0"/>
             <a:r>
-              <a:rPr kumimoji="1" lang="ja-JP" altLang="en-US" smtClean="0"/>
+              <a:rPr lang="ja-JP" altLang="en-US" smtClean="0"/>
               <a:t>マスター テキストの書式設定</a:t>
             </a:r>
           </a:p>
@@ -2724,7 +2724,7 @@
       </p:sp>
       <p:sp>
         <p:nvSpPr>
-          <p:cNvPr id="5" name="日付プレースホルダー 4"/>
+          <p:cNvPr id="5" name="Date Placeholder 4"/>
           <p:cNvSpPr>
             <a:spLocks noGrp="1"/>
           </p:cNvSpPr>
@@ -2739,7 +2739,7 @@
           <a:p>
             <a:fld id="{AA641DB4-C951-4763-94FC-F650C3AA7E65}" type="datetimeFigureOut">
               <a:rPr kumimoji="1" lang="ja-JP" altLang="en-US" smtClean="0"/>
-              <a:t>2017/2/3</a:t>
+              <a:t>2017/11/16</a:t>
             </a:fld>
             <a:endParaRPr kumimoji="1" lang="ja-JP" altLang="en-US"/>
           </a:p>
@@ -2747,7 +2747,7 @@
       </p:sp>
       <p:sp>
         <p:nvSpPr>
-          <p:cNvPr id="6" name="フッター プレースホルダー 5"/>
+          <p:cNvPr id="6" name="Footer Placeholder 5"/>
           <p:cNvSpPr>
             <a:spLocks noGrp="1"/>
           </p:cNvSpPr>
@@ -2766,7 +2766,7 @@
       </p:sp>
       <p:sp>
         <p:nvSpPr>
-          <p:cNvPr id="7" name="スライド番号プレースホルダー 6"/>
+          <p:cNvPr id="7" name="Slide Number Placeholder 6"/>
           <p:cNvSpPr>
             <a:spLocks noGrp="1"/>
           </p:cNvSpPr>
@@ -2790,7 +2790,7 @@
     </p:spTree>
     <p:extLst>
       <p:ext uri="{BB962C8B-B14F-4D97-AF65-F5344CB8AC3E}">
-        <p14:creationId xmlns:p14="http://schemas.microsoft.com/office/powerpoint/2010/main" val="347036447"/>
+        <p14:creationId xmlns:p14="http://schemas.microsoft.com/office/powerpoint/2010/main" val="2301999547"/>
       </p:ext>
     </p:extLst>
   </p:cSld>
@@ -2819,7 +2819,7 @@
       </p:grpSpPr>
       <p:sp>
         <p:nvSpPr>
-          <p:cNvPr id="2" name="タイトル 1"/>
+          <p:cNvPr id="2" name="Title 1"/>
           <p:cNvSpPr>
             <a:spLocks noGrp="1"/>
           </p:cNvSpPr>
@@ -2829,31 +2829,31 @@
         </p:nvSpPr>
         <p:spPr>
           <a:xfrm>
-            <a:off x="839790" y="457200"/>
-            <a:ext cx="3932237" cy="1600200"/>
+            <a:off x="839789" y="191982"/>
+            <a:ext cx="3932237" cy="671936"/>
           </a:xfrm>
         </p:spPr>
         <p:txBody>
           <a:bodyPr anchor="b"/>
           <a:lstStyle>
             <a:lvl1pPr>
-              <a:defRPr sz="3200"/>
+              <a:defRPr sz="1344"/>
             </a:lvl1pPr>
           </a:lstStyle>
           <a:p>
             <a:r>
-              <a:rPr kumimoji="1" lang="ja-JP" altLang="en-US" smtClean="0"/>
+              <a:rPr lang="ja-JP" altLang="en-US" smtClean="0"/>
               <a:t>マスター タイトルの書式設定</a:t>
             </a:r>
-            <a:endParaRPr kumimoji="1" lang="ja-JP" altLang="en-US"/>
-          </a:p>
-        </p:txBody>
-      </p:sp>
-      <p:sp>
-        <p:nvSpPr>
-          <p:cNvPr id="3" name="図プレースホルダー 2"/>
-          <p:cNvSpPr>
-            <a:spLocks noGrp="1"/>
+            <a:endParaRPr lang="en-US" dirty="0"/>
+          </a:p>
+        </p:txBody>
+      </p:sp>
+      <p:sp>
+        <p:nvSpPr>
+          <p:cNvPr id="3" name="Picture Placeholder 2"/>
+          <p:cNvSpPr>
+            <a:spLocks noGrp="1" noChangeAspect="1"/>
           </p:cNvSpPr>
           <p:nvPr>
             <p:ph type="pic" idx="1"/>
@@ -2861,8 +2861,73 @@
         </p:nvSpPr>
         <p:spPr>
           <a:xfrm>
-            <a:off x="5183188" y="987426"/>
-            <a:ext cx="6172200" cy="4873625"/>
+            <a:off x="5183188" y="414627"/>
+            <a:ext cx="6172200" cy="2046471"/>
+          </a:xfrm>
+        </p:spPr>
+        <p:txBody>
+          <a:bodyPr anchor="t"/>
+          <a:lstStyle>
+            <a:lvl1pPr marL="0" indent="0">
+              <a:buNone/>
+              <a:defRPr sz="1344"/>
+            </a:lvl1pPr>
+            <a:lvl2pPr marL="191978" indent="0">
+              <a:buNone/>
+              <a:defRPr sz="1176"/>
+            </a:lvl2pPr>
+            <a:lvl3pPr marL="383957" indent="0">
+              <a:buNone/>
+              <a:defRPr sz="1008"/>
+            </a:lvl3pPr>
+            <a:lvl4pPr marL="575935" indent="0">
+              <a:buNone/>
+              <a:defRPr sz="840"/>
+            </a:lvl4pPr>
+            <a:lvl5pPr marL="767913" indent="0">
+              <a:buNone/>
+              <a:defRPr sz="840"/>
+            </a:lvl5pPr>
+            <a:lvl6pPr marL="959891" indent="0">
+              <a:buNone/>
+              <a:defRPr sz="840"/>
+            </a:lvl6pPr>
+            <a:lvl7pPr marL="1151870" indent="0">
+              <a:buNone/>
+              <a:defRPr sz="840"/>
+            </a:lvl7pPr>
+            <a:lvl8pPr marL="1343848" indent="0">
+              <a:buNone/>
+              <a:defRPr sz="840"/>
+            </a:lvl8pPr>
+            <a:lvl9pPr marL="1535826" indent="0">
+              <a:buNone/>
+              <a:defRPr sz="840"/>
+            </a:lvl9pPr>
+          </a:lstStyle>
+          <a:p>
+            <a:r>
+              <a:rPr lang="ja-JP" altLang="en-US" smtClean="0"/>
+              <a:t>図を追加</a:t>
+            </a:r>
+            <a:endParaRPr lang="en-US" dirty="0"/>
+          </a:p>
+        </p:txBody>
+      </p:sp>
+      <p:sp>
+        <p:nvSpPr>
+          <p:cNvPr id="4" name="Text Placeholder 3"/>
+          <p:cNvSpPr>
+            <a:spLocks noGrp="1"/>
+          </p:cNvSpPr>
+          <p:nvPr>
+            <p:ph type="body" sz="half" idx="2"/>
+          </p:nvPr>
+        </p:nvSpPr>
+        <p:spPr>
+          <a:xfrm>
+            <a:off x="839789" y="863918"/>
+            <a:ext cx="3932237" cy="1600514"/>
           </a:xfrm>
         </p:spPr>
         <p:txBody>
@@ -2870,106 +2935,45 @@
           <a:lstStyle>
             <a:lvl1pPr marL="0" indent="0">
               <a:buNone/>
-              <a:defRPr sz="3200"/>
+              <a:defRPr sz="672"/>
             </a:lvl1pPr>
-            <a:lvl2pPr marL="457195" indent="0">
-              <a:buNone/>
-              <a:defRPr sz="2800"/>
+            <a:lvl2pPr marL="191978" indent="0">
+              <a:buNone/>
+              <a:defRPr sz="588"/>
             </a:lvl2pPr>
-            <a:lvl3pPr marL="914392" indent="0">
-              <a:buNone/>
-              <a:defRPr sz="2400"/>
+            <a:lvl3pPr marL="383957" indent="0">
+              <a:buNone/>
+              <a:defRPr sz="504"/>
             </a:lvl3pPr>
-            <a:lvl4pPr marL="1371588" indent="0">
-              <a:buNone/>
-              <a:defRPr sz="2000"/>
+            <a:lvl4pPr marL="575935" indent="0">
+              <a:buNone/>
+              <a:defRPr sz="420"/>
             </a:lvl4pPr>
-            <a:lvl5pPr marL="1828783" indent="0">
-              <a:buNone/>
-              <a:defRPr sz="2000"/>
+            <a:lvl5pPr marL="767913" indent="0">
+              <a:buNone/>
+              <a:defRPr sz="420"/>
             </a:lvl5pPr>
-            <a:lvl6pPr marL="2285980" indent="0">
-              <a:buNone/>
-              <a:defRPr sz="2000"/>
+            <a:lvl6pPr marL="959891" indent="0">
+              <a:buNone/>
+              <a:defRPr sz="420"/>
             </a:lvl6pPr>
-            <a:lvl7pPr marL="2743175" indent="0">
-              <a:buNone/>
-              <a:defRPr sz="2000"/>
+            <a:lvl7pPr marL="1151870" indent="0">
+              <a:buNone/>
+              <a:defRPr sz="420"/>
             </a:lvl7pPr>
-            <a:lvl8pPr marL="3200372" indent="0">
-              <a:buNone/>
-              <a:defRPr sz="2000"/>
+            <a:lvl8pPr marL="1343848" indent="0">
+              <a:buNone/>
+              <a:defRPr sz="420"/>
             </a:lvl8pPr>
-            <a:lvl9pPr marL="3657567" indent="0">
-              <a:buNone/>
-              <a:defRPr sz="2000"/>
+            <a:lvl9pPr marL="1535826" indent="0">
+              <a:buNone/>
+              <a:defRPr sz="420"/>
             </a:lvl9pPr>
           </a:lstStyle>
           <a:p>
-            <a:endParaRPr kumimoji="1" lang="ja-JP" altLang="en-US"/>
-          </a:p>
-        </p:txBody>
-      </p:sp>
-      <p:sp>
-        <p:nvSpPr>
-          <p:cNvPr id="4" name="テキスト プレースホルダー 3"/>
-          <p:cNvSpPr>
-            <a:spLocks noGrp="1"/>
-          </p:cNvSpPr>
-          <p:nvPr>
-            <p:ph type="body" sz="half" idx="2"/>
-          </p:nvPr>
-        </p:nvSpPr>
-        <p:spPr>
-          <a:xfrm>
-            <a:off x="839790" y="2057400"/>
-            <a:ext cx="3932237" cy="3811589"/>
-          </a:xfrm>
-        </p:spPr>
-        <p:txBody>
-          <a:bodyPr/>
-          <a:lstStyle>
-            <a:lvl1pPr marL="0" indent="0">
-              <a:buNone/>
-              <a:defRPr sz="1600"/>
-            </a:lvl1pPr>
-            <a:lvl2pPr marL="457195" indent="0">
-              <a:buNone/>
-              <a:defRPr sz="1400"/>
-            </a:lvl2pPr>
-            <a:lvl3pPr marL="914392" indent="0">
-              <a:buNone/>
-              <a:defRPr sz="1200"/>
-            </a:lvl3pPr>
-            <a:lvl4pPr marL="1371588" indent="0">
-              <a:buNone/>
-              <a:defRPr sz="1000"/>
-            </a:lvl4pPr>
-            <a:lvl5pPr marL="1828783" indent="0">
-              <a:buNone/>
-              <a:defRPr sz="1000"/>
-            </a:lvl5pPr>
-            <a:lvl6pPr marL="2285980" indent="0">
-              <a:buNone/>
-              <a:defRPr sz="1000"/>
-            </a:lvl6pPr>
-            <a:lvl7pPr marL="2743175" indent="0">
-              <a:buNone/>
-              <a:defRPr sz="1000"/>
-            </a:lvl7pPr>
-            <a:lvl8pPr marL="3200372" indent="0">
-              <a:buNone/>
-              <a:defRPr sz="1000"/>
-            </a:lvl8pPr>
-            <a:lvl9pPr marL="3657567" indent="0">
-              <a:buNone/>
-              <a:defRPr sz="1000"/>
-            </a:lvl9pPr>
-          </a:lstStyle>
-          <a:p>
             <a:pPr lvl="0"/>
             <a:r>
-              <a:rPr kumimoji="1" lang="ja-JP" altLang="en-US" smtClean="0"/>
+              <a:rPr lang="ja-JP" altLang="en-US" smtClean="0"/>
               <a:t>マスター テキストの書式設定</a:t>
             </a:r>
           </a:p>
@@ -2977,7 +2981,7 @@
       </p:sp>
       <p:sp>
         <p:nvSpPr>
-          <p:cNvPr id="5" name="日付プレースホルダー 4"/>
+          <p:cNvPr id="5" name="Date Placeholder 4"/>
           <p:cNvSpPr>
             <a:spLocks noGrp="1"/>
           </p:cNvSpPr>
@@ -2992,7 +2996,7 @@
           <a:p>
             <a:fld id="{AA641DB4-C951-4763-94FC-F650C3AA7E65}" type="datetimeFigureOut">
               <a:rPr kumimoji="1" lang="ja-JP" altLang="en-US" smtClean="0"/>
-              <a:t>2017/2/3</a:t>
+              <a:t>2017/11/16</a:t>
             </a:fld>
             <a:endParaRPr kumimoji="1" lang="ja-JP" altLang="en-US"/>
           </a:p>
@@ -3000,7 +3004,7 @@
       </p:sp>
       <p:sp>
         <p:nvSpPr>
-          <p:cNvPr id="6" name="フッター プレースホルダー 5"/>
+          <p:cNvPr id="6" name="Footer Placeholder 5"/>
           <p:cNvSpPr>
             <a:spLocks noGrp="1"/>
           </p:cNvSpPr>
@@ -3019,7 +3023,7 @@
       </p:sp>
       <p:sp>
         <p:nvSpPr>
-          <p:cNvPr id="7" name="スライド番号プレースホルダー 6"/>
+          <p:cNvPr id="7" name="Slide Number Placeholder 6"/>
           <p:cNvSpPr>
             <a:spLocks noGrp="1"/>
           </p:cNvSpPr>
@@ -3043,7 +3047,7 @@
     </p:spTree>
     <p:extLst>
       <p:ext uri="{BB962C8B-B14F-4D97-AF65-F5344CB8AC3E}">
-        <p14:creationId xmlns:p14="http://schemas.microsoft.com/office/powerpoint/2010/main" val="1851267295"/>
+        <p14:creationId xmlns:p14="http://schemas.microsoft.com/office/powerpoint/2010/main" val="3104645974"/>
       </p:ext>
     </p:extLst>
   </p:cSld>
@@ -3077,7 +3081,7 @@
       </p:grpSpPr>
       <p:sp>
         <p:nvSpPr>
-          <p:cNvPr id="2" name="タイトル プレースホルダー 1"/>
+          <p:cNvPr id="2" name="Title Placeholder 1"/>
           <p:cNvSpPr>
             <a:spLocks noGrp="1"/>
           </p:cNvSpPr>
@@ -3087,8 +3091,8 @@
         </p:nvSpPr>
         <p:spPr>
           <a:xfrm>
-            <a:off x="838200" y="365126"/>
-            <a:ext cx="10515600" cy="1325563"/>
+            <a:off x="838200" y="153319"/>
+            <a:ext cx="10515600" cy="556614"/>
           </a:xfrm>
           <a:prstGeom prst="rect">
             <a:avLst/>
@@ -3101,16 +3105,16 @@
           <a:lstStyle/>
           <a:p>
             <a:r>
-              <a:rPr kumimoji="1" lang="ja-JP" altLang="en-US" smtClean="0"/>
+              <a:rPr lang="ja-JP" altLang="en-US" smtClean="0"/>
               <a:t>マスター タイトルの書式設定</a:t>
             </a:r>
-            <a:endParaRPr kumimoji="1" lang="ja-JP" altLang="en-US"/>
-          </a:p>
-        </p:txBody>
-      </p:sp>
-      <p:sp>
-        <p:nvSpPr>
-          <p:cNvPr id="3" name="テキスト プレースホルダー 2"/>
+            <a:endParaRPr lang="en-US" dirty="0"/>
+          </a:p>
+        </p:txBody>
+      </p:sp>
+      <p:sp>
+        <p:nvSpPr>
+          <p:cNvPr id="3" name="Text Placeholder 2"/>
           <p:cNvSpPr>
             <a:spLocks noGrp="1"/>
           </p:cNvSpPr>
@@ -3120,8 +3124,8 @@
         </p:nvSpPr>
         <p:spPr>
           <a:xfrm>
-            <a:off x="838200" y="1825625"/>
-            <a:ext cx="10515600" cy="4351338"/>
+            <a:off x="838200" y="766593"/>
+            <a:ext cx="10515600" cy="1827159"/>
           </a:xfrm>
           <a:prstGeom prst="rect">
             <a:avLst/>
@@ -3135,76 +3139,76 @@
           <a:p>
             <a:pPr lvl="0"/>
             <a:r>
-              <a:rPr kumimoji="1" lang="ja-JP" altLang="en-US" smtClean="0"/>
+              <a:rPr lang="ja-JP" altLang="en-US" smtClean="0"/>
               <a:t>マスター テキストの書式設定</a:t>
             </a:r>
           </a:p>
           <a:p>
             <a:pPr lvl="1"/>
             <a:r>
-              <a:rPr kumimoji="1" lang="ja-JP" altLang="en-US" smtClean="0"/>
+              <a:rPr lang="ja-JP" altLang="en-US" smtClean="0"/>
               <a:t>第 </a:t>
             </a:r>
             <a:r>
-              <a:rPr kumimoji="1" lang="en-US" altLang="ja-JP" smtClean="0"/>
+              <a:rPr lang="en-US" altLang="ja-JP" smtClean="0"/>
               <a:t>2 </a:t>
             </a:r>
             <a:r>
-              <a:rPr kumimoji="1" lang="ja-JP" altLang="en-US" smtClean="0"/>
+              <a:rPr lang="ja-JP" altLang="en-US" smtClean="0"/>
               <a:t>レベル</a:t>
             </a:r>
           </a:p>
           <a:p>
             <a:pPr lvl="2"/>
             <a:r>
-              <a:rPr kumimoji="1" lang="ja-JP" altLang="en-US" smtClean="0"/>
+              <a:rPr lang="ja-JP" altLang="en-US" smtClean="0"/>
               <a:t>第 </a:t>
             </a:r>
             <a:r>
-              <a:rPr kumimoji="1" lang="en-US" altLang="ja-JP" smtClean="0"/>
+              <a:rPr lang="en-US" altLang="ja-JP" smtClean="0"/>
               <a:t>3 </a:t>
             </a:r>
             <a:r>
-              <a:rPr kumimoji="1" lang="ja-JP" altLang="en-US" smtClean="0"/>
+              <a:rPr lang="ja-JP" altLang="en-US" smtClean="0"/>
               <a:t>レベル</a:t>
             </a:r>
           </a:p>
           <a:p>
             <a:pPr lvl="3"/>
             <a:r>
-              <a:rPr kumimoji="1" lang="ja-JP" altLang="en-US" smtClean="0"/>
+              <a:rPr lang="ja-JP" altLang="en-US" smtClean="0"/>
               <a:t>第 </a:t>
             </a:r>
             <a:r>
-              <a:rPr kumimoji="1" lang="en-US" altLang="ja-JP" smtClean="0"/>
+              <a:rPr lang="en-US" altLang="ja-JP" smtClean="0"/>
               <a:t>4 </a:t>
             </a:r>
             <a:r>
-              <a:rPr kumimoji="1" lang="ja-JP" altLang="en-US" smtClean="0"/>
+              <a:rPr lang="ja-JP" altLang="en-US" smtClean="0"/>
               <a:t>レベル</a:t>
             </a:r>
           </a:p>
           <a:p>
             <a:pPr lvl="4"/>
             <a:r>
-              <a:rPr kumimoji="1" lang="ja-JP" altLang="en-US" smtClean="0"/>
+              <a:rPr lang="ja-JP" altLang="en-US" smtClean="0"/>
               <a:t>第 </a:t>
             </a:r>
             <a:r>
-              <a:rPr kumimoji="1" lang="en-US" altLang="ja-JP" smtClean="0"/>
+              <a:rPr lang="en-US" altLang="ja-JP" smtClean="0"/>
               <a:t>5 </a:t>
             </a:r>
             <a:r>
-              <a:rPr kumimoji="1" lang="ja-JP" altLang="en-US" smtClean="0"/>
+              <a:rPr lang="ja-JP" altLang="en-US" smtClean="0"/>
               <a:t>レベル</a:t>
             </a:r>
-            <a:endParaRPr kumimoji="1" lang="ja-JP" altLang="en-US"/>
-          </a:p>
-        </p:txBody>
-      </p:sp>
-      <p:sp>
-        <p:nvSpPr>
-          <p:cNvPr id="4" name="日付プレースホルダー 3"/>
+            <a:endParaRPr lang="en-US" dirty="0"/>
+          </a:p>
+        </p:txBody>
+      </p:sp>
+      <p:sp>
+        <p:nvSpPr>
+          <p:cNvPr id="4" name="Date Placeholder 3"/>
           <p:cNvSpPr>
             <a:spLocks noGrp="1"/>
           </p:cNvSpPr>
@@ -3214,8 +3218,8 @@
         </p:nvSpPr>
         <p:spPr>
           <a:xfrm>
-            <a:off x="838200" y="6356351"/>
-            <a:ext cx="2743200" cy="365125"/>
+            <a:off x="838200" y="2669079"/>
+            <a:ext cx="2743200" cy="153319"/>
           </a:xfrm>
           <a:prstGeom prst="rect">
             <a:avLst/>
@@ -3225,7 +3229,7 @@
           <a:bodyPr vert="horz" lIns="91440" tIns="45720" rIns="91440" bIns="45720" rtlCol="0" anchor="ctr"/>
           <a:lstStyle>
             <a:lvl1pPr algn="l">
-              <a:defRPr sz="1200">
+              <a:defRPr sz="504">
                 <a:solidFill>
                   <a:schemeClr val="tx1">
                     <a:tint val="75000"/>
@@ -3237,7 +3241,7 @@
           <a:p>
             <a:fld id="{AA641DB4-C951-4763-94FC-F650C3AA7E65}" type="datetimeFigureOut">
               <a:rPr kumimoji="1" lang="ja-JP" altLang="en-US" smtClean="0"/>
-              <a:t>2017/2/3</a:t>
+              <a:t>2017/11/16</a:t>
             </a:fld>
             <a:endParaRPr kumimoji="1" lang="ja-JP" altLang="en-US"/>
           </a:p>
@@ -3245,7 +3249,7 @@
       </p:sp>
       <p:sp>
         <p:nvSpPr>
-          <p:cNvPr id="5" name="フッター プレースホルダー 4"/>
+          <p:cNvPr id="5" name="Footer Placeholder 4"/>
           <p:cNvSpPr>
             <a:spLocks noGrp="1"/>
           </p:cNvSpPr>
@@ -3255,8 +3259,8 @@
         </p:nvSpPr>
         <p:spPr>
           <a:xfrm>
-            <a:off x="4038600" y="6356351"/>
-            <a:ext cx="4114800" cy="365125"/>
+            <a:off x="4038600" y="2669079"/>
+            <a:ext cx="4114800" cy="153319"/>
           </a:xfrm>
           <a:prstGeom prst="rect">
             <a:avLst/>
@@ -3266,7 +3270,7 @@
           <a:bodyPr vert="horz" lIns="91440" tIns="45720" rIns="91440" bIns="45720" rtlCol="0" anchor="ctr"/>
           <a:lstStyle>
             <a:lvl1pPr algn="ctr">
-              <a:defRPr sz="1200">
+              <a:defRPr sz="504">
                 <a:solidFill>
                   <a:schemeClr val="tx1">
                     <a:tint val="75000"/>
@@ -3282,7 +3286,7 @@
       </p:sp>
       <p:sp>
         <p:nvSpPr>
-          <p:cNvPr id="6" name="スライド番号プレースホルダー 5"/>
+          <p:cNvPr id="6" name="Slide Number Placeholder 5"/>
           <p:cNvSpPr>
             <a:spLocks noGrp="1"/>
           </p:cNvSpPr>
@@ -3292,8 +3296,8 @@
         </p:nvSpPr>
         <p:spPr>
           <a:xfrm>
-            <a:off x="8610600" y="6356351"/>
-            <a:ext cx="2743200" cy="365125"/>
+            <a:off x="8610600" y="2669079"/>
+            <a:ext cx="2743200" cy="153319"/>
           </a:xfrm>
           <a:prstGeom prst="rect">
             <a:avLst/>
@@ -3303,7 +3307,7 @@
           <a:bodyPr vert="horz" lIns="91440" tIns="45720" rIns="91440" bIns="45720" rtlCol="0" anchor="ctr"/>
           <a:lstStyle>
             <a:lvl1pPr algn="r">
-              <a:defRPr sz="1200">
+              <a:defRPr sz="504">
                 <a:solidFill>
                   <a:schemeClr val="tx1">
                     <a:tint val="75000"/>
@@ -3324,27 +3328,27 @@
     </p:spTree>
     <p:extLst>
       <p:ext uri="{BB962C8B-B14F-4D97-AF65-F5344CB8AC3E}">
-        <p14:creationId xmlns:p14="http://schemas.microsoft.com/office/powerpoint/2010/main" val="1848971880"/>
+        <p14:creationId xmlns:p14="http://schemas.microsoft.com/office/powerpoint/2010/main" val="1303371720"/>
       </p:ext>
     </p:extLst>
   </p:cSld>
   <p:clrMap bg1="lt1" tx1="dk1" bg2="lt2" tx2="dk2" accent1="accent1" accent2="accent2" accent3="accent3" accent4="accent4" accent5="accent5" accent6="accent6" hlink="hlink" folHlink="folHlink"/>
   <p:sldLayoutIdLst>
-    <p:sldLayoutId id="2147483649" r:id="rId1"/>
-    <p:sldLayoutId id="2147483650" r:id="rId2"/>
-    <p:sldLayoutId id="2147483651" r:id="rId3"/>
-    <p:sldLayoutId id="2147483652" r:id="rId4"/>
-    <p:sldLayoutId id="2147483653" r:id="rId5"/>
-    <p:sldLayoutId id="2147483654" r:id="rId6"/>
-    <p:sldLayoutId id="2147483655" r:id="rId7"/>
-    <p:sldLayoutId id="2147483656" r:id="rId8"/>
-    <p:sldLayoutId id="2147483657" r:id="rId9"/>
-    <p:sldLayoutId id="2147483658" r:id="rId10"/>
-    <p:sldLayoutId id="2147483659" r:id="rId11"/>
+    <p:sldLayoutId id="2147483685" r:id="rId1"/>
+    <p:sldLayoutId id="2147483686" r:id="rId2"/>
+    <p:sldLayoutId id="2147483687" r:id="rId3"/>
+    <p:sldLayoutId id="2147483688" r:id="rId4"/>
+    <p:sldLayoutId id="2147483689" r:id="rId5"/>
+    <p:sldLayoutId id="2147483690" r:id="rId6"/>
+    <p:sldLayoutId id="2147483691" r:id="rId7"/>
+    <p:sldLayoutId id="2147483692" r:id="rId8"/>
+    <p:sldLayoutId id="2147483693" r:id="rId9"/>
+    <p:sldLayoutId id="2147483694" r:id="rId10"/>
+    <p:sldLayoutId id="2147483695" r:id="rId11"/>
   </p:sldLayoutIdLst>
   <p:txStyles>
     <p:titleStyle>
-      <a:lvl1pPr algn="l" defTabSz="914392" rtl="0" eaLnBrk="1" latinLnBrk="0" hangingPunct="1">
+      <a:lvl1pPr algn="l" defTabSz="383957" rtl="0" eaLnBrk="1" latinLnBrk="0" hangingPunct="1">
         <a:lnSpc>
           <a:spcPct val="90000"/>
         </a:lnSpc>
@@ -3352,7 +3356,7 @@
           <a:spcPct val="0"/>
         </a:spcBef>
         <a:buNone/>
-        <a:defRPr kumimoji="1" sz="4400" kern="1200">
+        <a:defRPr kumimoji="1" sz="1848" kern="1200">
           <a:solidFill>
             <a:schemeClr val="tx1"/>
           </a:solidFill>
@@ -3363,16 +3367,16 @@
       </a:lvl1pPr>
     </p:titleStyle>
     <p:bodyStyle>
-      <a:lvl1pPr marL="228598" indent="-228598" algn="l" defTabSz="914392" rtl="0" eaLnBrk="1" latinLnBrk="0" hangingPunct="1">
+      <a:lvl1pPr marL="95989" indent="-95989" algn="l" defTabSz="383957" rtl="0" eaLnBrk="1" latinLnBrk="0" hangingPunct="1">
         <a:lnSpc>
           <a:spcPct val="90000"/>
         </a:lnSpc>
         <a:spcBef>
-          <a:spcPts val="1000"/>
+          <a:spcPts val="420"/>
         </a:spcBef>
         <a:buFont typeface="Arial" panose="020B0604020202020204" pitchFamily="34" charset="0"/>
         <a:buChar char="•"/>
-        <a:defRPr kumimoji="1" sz="2800" kern="1200">
+        <a:defRPr kumimoji="1" sz="1176" kern="1200">
           <a:solidFill>
             <a:schemeClr val="tx1"/>
           </a:solidFill>
@@ -3381,16 +3385,16 @@
           <a:cs typeface="+mn-cs"/>
         </a:defRPr>
       </a:lvl1pPr>
-      <a:lvl2pPr marL="685794" indent="-228598" algn="l" defTabSz="914392" rtl="0" eaLnBrk="1" latinLnBrk="0" hangingPunct="1">
+      <a:lvl2pPr marL="287967" indent="-95989" algn="l" defTabSz="383957" rtl="0" eaLnBrk="1" latinLnBrk="0" hangingPunct="1">
         <a:lnSpc>
           <a:spcPct val="90000"/>
         </a:lnSpc>
         <a:spcBef>
-          <a:spcPts val="500"/>
+          <a:spcPts val="210"/>
         </a:spcBef>
         <a:buFont typeface="Arial" panose="020B0604020202020204" pitchFamily="34" charset="0"/>
         <a:buChar char="•"/>
-        <a:defRPr kumimoji="1" sz="2400" kern="1200">
+        <a:defRPr kumimoji="1" sz="1008" kern="1200">
           <a:solidFill>
             <a:schemeClr val="tx1"/>
           </a:solidFill>
@@ -3399,16 +3403,16 @@
           <a:cs typeface="+mn-cs"/>
         </a:defRPr>
       </a:lvl2pPr>
-      <a:lvl3pPr marL="1142990" indent="-228598" algn="l" defTabSz="914392" rtl="0" eaLnBrk="1" latinLnBrk="0" hangingPunct="1">
+      <a:lvl3pPr marL="479946" indent="-95989" algn="l" defTabSz="383957" rtl="0" eaLnBrk="1" latinLnBrk="0" hangingPunct="1">
         <a:lnSpc>
           <a:spcPct val="90000"/>
         </a:lnSpc>
         <a:spcBef>
-          <a:spcPts val="500"/>
+          <a:spcPts val="210"/>
         </a:spcBef>
         <a:buFont typeface="Arial" panose="020B0604020202020204" pitchFamily="34" charset="0"/>
         <a:buChar char="•"/>
-        <a:defRPr kumimoji="1" sz="2000" kern="1200">
+        <a:defRPr kumimoji="1" sz="840" kern="1200">
           <a:solidFill>
             <a:schemeClr val="tx1"/>
           </a:solidFill>
@@ -3417,16 +3421,16 @@
           <a:cs typeface="+mn-cs"/>
         </a:defRPr>
       </a:lvl3pPr>
-      <a:lvl4pPr marL="1600185" indent="-228598" algn="l" defTabSz="914392" rtl="0" eaLnBrk="1" latinLnBrk="0" hangingPunct="1">
+      <a:lvl4pPr marL="671924" indent="-95989" algn="l" defTabSz="383957" rtl="0" eaLnBrk="1" latinLnBrk="0" hangingPunct="1">
         <a:lnSpc>
           <a:spcPct val="90000"/>
         </a:lnSpc>
         <a:spcBef>
-          <a:spcPts val="500"/>
+          <a:spcPts val="210"/>
         </a:spcBef>
         <a:buFont typeface="Arial" panose="020B0604020202020204" pitchFamily="34" charset="0"/>
         <a:buChar char="•"/>
-        <a:defRPr kumimoji="1" sz="1800" kern="1200">
+        <a:defRPr kumimoji="1" sz="756" kern="1200">
           <a:solidFill>
             <a:schemeClr val="tx1"/>
           </a:solidFill>
@@ -3435,16 +3439,16 @@
           <a:cs typeface="+mn-cs"/>
         </a:defRPr>
       </a:lvl4pPr>
-      <a:lvl5pPr marL="2057382" indent="-228598" algn="l" defTabSz="914392" rtl="0" eaLnBrk="1" latinLnBrk="0" hangingPunct="1">
+      <a:lvl5pPr marL="863902" indent="-95989" algn="l" defTabSz="383957" rtl="0" eaLnBrk="1" latinLnBrk="0" hangingPunct="1">
         <a:lnSpc>
           <a:spcPct val="90000"/>
         </a:lnSpc>
         <a:spcBef>
-          <a:spcPts val="500"/>
+          <a:spcPts val="210"/>
         </a:spcBef>
         <a:buFont typeface="Arial" panose="020B0604020202020204" pitchFamily="34" charset="0"/>
         <a:buChar char="•"/>
-        <a:defRPr kumimoji="1" sz="1800" kern="1200">
+        <a:defRPr kumimoji="1" sz="756" kern="1200">
           <a:solidFill>
             <a:schemeClr val="tx1"/>
           </a:solidFill>
@@ -3453,16 +3457,16 @@
           <a:cs typeface="+mn-cs"/>
         </a:defRPr>
       </a:lvl5pPr>
-      <a:lvl6pPr marL="2514577" indent="-228598" algn="l" defTabSz="914392" rtl="0" eaLnBrk="1" latinLnBrk="0" hangingPunct="1">
+      <a:lvl6pPr marL="1055881" indent="-95989" algn="l" defTabSz="383957" rtl="0" eaLnBrk="1" latinLnBrk="0" hangingPunct="1">
         <a:lnSpc>
           <a:spcPct val="90000"/>
         </a:lnSpc>
         <a:spcBef>
-          <a:spcPts val="500"/>
+          <a:spcPts val="210"/>
         </a:spcBef>
         <a:buFont typeface="Arial" panose="020B0604020202020204" pitchFamily="34" charset="0"/>
         <a:buChar char="•"/>
-        <a:defRPr kumimoji="1" sz="1800" kern="1200">
+        <a:defRPr kumimoji="1" sz="756" kern="1200">
           <a:solidFill>
             <a:schemeClr val="tx1"/>
           </a:solidFill>
@@ -3471,16 +3475,16 @@
           <a:cs typeface="+mn-cs"/>
         </a:defRPr>
       </a:lvl6pPr>
-      <a:lvl7pPr marL="2971773" indent="-228598" algn="l" defTabSz="914392" rtl="0" eaLnBrk="1" latinLnBrk="0" hangingPunct="1">
+      <a:lvl7pPr marL="1247859" indent="-95989" algn="l" defTabSz="383957" rtl="0" eaLnBrk="1" latinLnBrk="0" hangingPunct="1">
         <a:lnSpc>
           <a:spcPct val="90000"/>
         </a:lnSpc>
         <a:spcBef>
-          <a:spcPts val="500"/>
+          <a:spcPts val="210"/>
         </a:spcBef>
         <a:buFont typeface="Arial" panose="020B0604020202020204" pitchFamily="34" charset="0"/>
         <a:buChar char="•"/>
-        <a:defRPr kumimoji="1" sz="1800" kern="1200">
+        <a:defRPr kumimoji="1" sz="756" kern="1200">
           <a:solidFill>
             <a:schemeClr val="tx1"/>
           </a:solidFill>
@@ -3489,16 +3493,16 @@
           <a:cs typeface="+mn-cs"/>
         </a:defRPr>
       </a:lvl7pPr>
-      <a:lvl8pPr marL="3428970" indent="-228598" algn="l" defTabSz="914392" rtl="0" eaLnBrk="1" latinLnBrk="0" hangingPunct="1">
+      <a:lvl8pPr marL="1439837" indent="-95989" algn="l" defTabSz="383957" rtl="0" eaLnBrk="1" latinLnBrk="0" hangingPunct="1">
         <a:lnSpc>
           <a:spcPct val="90000"/>
         </a:lnSpc>
         <a:spcBef>
-          <a:spcPts val="500"/>
+          <a:spcPts val="210"/>
         </a:spcBef>
         <a:buFont typeface="Arial" panose="020B0604020202020204" pitchFamily="34" charset="0"/>
         <a:buChar char="•"/>
-        <a:defRPr kumimoji="1" sz="1800" kern="1200">
+        <a:defRPr kumimoji="1" sz="756" kern="1200">
           <a:solidFill>
             <a:schemeClr val="tx1"/>
           </a:solidFill>
@@ -3507,16 +3511,16 @@
           <a:cs typeface="+mn-cs"/>
         </a:defRPr>
       </a:lvl8pPr>
-      <a:lvl9pPr marL="3886165" indent="-228598" algn="l" defTabSz="914392" rtl="0" eaLnBrk="1" latinLnBrk="0" hangingPunct="1">
+      <a:lvl9pPr marL="1631815" indent="-95989" algn="l" defTabSz="383957" rtl="0" eaLnBrk="1" latinLnBrk="0" hangingPunct="1">
         <a:lnSpc>
           <a:spcPct val="90000"/>
         </a:lnSpc>
         <a:spcBef>
-          <a:spcPts val="500"/>
+          <a:spcPts val="210"/>
         </a:spcBef>
         <a:buFont typeface="Arial" panose="020B0604020202020204" pitchFamily="34" charset="0"/>
         <a:buChar char="•"/>
-        <a:defRPr kumimoji="1" sz="1800" kern="1200">
+        <a:defRPr kumimoji="1" sz="756" kern="1200">
           <a:solidFill>
             <a:schemeClr val="tx1"/>
           </a:solidFill>
@@ -3528,10 +3532,10 @@
     </p:bodyStyle>
     <p:otherStyle>
       <a:defPPr>
-        <a:defRPr lang="ja-JP"/>
+        <a:defRPr lang="en-US"/>
       </a:defPPr>
-      <a:lvl1pPr marL="0" algn="l" defTabSz="914392" rtl="0" eaLnBrk="1" latinLnBrk="0" hangingPunct="1">
-        <a:defRPr kumimoji="1" sz="1800" kern="1200">
+      <a:lvl1pPr marL="0" algn="l" defTabSz="383957" rtl="0" eaLnBrk="1" latinLnBrk="0" hangingPunct="1">
+        <a:defRPr kumimoji="1" sz="756" kern="1200">
           <a:solidFill>
             <a:schemeClr val="tx1"/>
           </a:solidFill>
@@ -3540,8 +3544,8 @@
           <a:cs typeface="+mn-cs"/>
         </a:defRPr>
       </a:lvl1pPr>
-      <a:lvl2pPr marL="457195" algn="l" defTabSz="914392" rtl="0" eaLnBrk="1" latinLnBrk="0" hangingPunct="1">
-        <a:defRPr kumimoji="1" sz="1800" kern="1200">
+      <a:lvl2pPr marL="191978" algn="l" defTabSz="383957" rtl="0" eaLnBrk="1" latinLnBrk="0" hangingPunct="1">
+        <a:defRPr kumimoji="1" sz="756" kern="1200">
           <a:solidFill>
             <a:schemeClr val="tx1"/>
           </a:solidFill>
@@ -3550,8 +3554,8 @@
           <a:cs typeface="+mn-cs"/>
         </a:defRPr>
       </a:lvl2pPr>
-      <a:lvl3pPr marL="914392" algn="l" defTabSz="914392" rtl="0" eaLnBrk="1" latinLnBrk="0" hangingPunct="1">
-        <a:defRPr kumimoji="1" sz="1800" kern="1200">
+      <a:lvl3pPr marL="383957" algn="l" defTabSz="383957" rtl="0" eaLnBrk="1" latinLnBrk="0" hangingPunct="1">
+        <a:defRPr kumimoji="1" sz="756" kern="1200">
           <a:solidFill>
             <a:schemeClr val="tx1"/>
           </a:solidFill>
@@ -3560,8 +3564,8 @@
           <a:cs typeface="+mn-cs"/>
         </a:defRPr>
       </a:lvl3pPr>
-      <a:lvl4pPr marL="1371588" algn="l" defTabSz="914392" rtl="0" eaLnBrk="1" latinLnBrk="0" hangingPunct="1">
-        <a:defRPr kumimoji="1" sz="1800" kern="1200">
+      <a:lvl4pPr marL="575935" algn="l" defTabSz="383957" rtl="0" eaLnBrk="1" latinLnBrk="0" hangingPunct="1">
+        <a:defRPr kumimoji="1" sz="756" kern="1200">
           <a:solidFill>
             <a:schemeClr val="tx1"/>
           </a:solidFill>
@@ -3570,8 +3574,8 @@
           <a:cs typeface="+mn-cs"/>
         </a:defRPr>
       </a:lvl4pPr>
-      <a:lvl5pPr marL="1828783" algn="l" defTabSz="914392" rtl="0" eaLnBrk="1" latinLnBrk="0" hangingPunct="1">
-        <a:defRPr kumimoji="1" sz="1800" kern="1200">
+      <a:lvl5pPr marL="767913" algn="l" defTabSz="383957" rtl="0" eaLnBrk="1" latinLnBrk="0" hangingPunct="1">
+        <a:defRPr kumimoji="1" sz="756" kern="1200">
           <a:solidFill>
             <a:schemeClr val="tx1"/>
           </a:solidFill>
@@ -3580,8 +3584,8 @@
           <a:cs typeface="+mn-cs"/>
         </a:defRPr>
       </a:lvl5pPr>
-      <a:lvl6pPr marL="2285980" algn="l" defTabSz="914392" rtl="0" eaLnBrk="1" latinLnBrk="0" hangingPunct="1">
-        <a:defRPr kumimoji="1" sz="1800" kern="1200">
+      <a:lvl6pPr marL="959891" algn="l" defTabSz="383957" rtl="0" eaLnBrk="1" latinLnBrk="0" hangingPunct="1">
+        <a:defRPr kumimoji="1" sz="756" kern="1200">
           <a:solidFill>
             <a:schemeClr val="tx1"/>
           </a:solidFill>
@@ -3590,8 +3594,8 @@
           <a:cs typeface="+mn-cs"/>
         </a:defRPr>
       </a:lvl6pPr>
-      <a:lvl7pPr marL="2743175" algn="l" defTabSz="914392" rtl="0" eaLnBrk="1" latinLnBrk="0" hangingPunct="1">
-        <a:defRPr kumimoji="1" sz="1800" kern="1200">
+      <a:lvl7pPr marL="1151870" algn="l" defTabSz="383957" rtl="0" eaLnBrk="1" latinLnBrk="0" hangingPunct="1">
+        <a:defRPr kumimoji="1" sz="756" kern="1200">
           <a:solidFill>
             <a:schemeClr val="tx1"/>
           </a:solidFill>
@@ -3600,8 +3604,8 @@
           <a:cs typeface="+mn-cs"/>
         </a:defRPr>
       </a:lvl7pPr>
-      <a:lvl8pPr marL="3200372" algn="l" defTabSz="914392" rtl="0" eaLnBrk="1" latinLnBrk="0" hangingPunct="1">
-        <a:defRPr kumimoji="1" sz="1800" kern="1200">
+      <a:lvl8pPr marL="1343848" algn="l" defTabSz="383957" rtl="0" eaLnBrk="1" latinLnBrk="0" hangingPunct="1">
+        <a:defRPr kumimoji="1" sz="756" kern="1200">
           <a:solidFill>
             <a:schemeClr val="tx1"/>
           </a:solidFill>
@@ -3610,8 +3614,8 @@
           <a:cs typeface="+mn-cs"/>
         </a:defRPr>
       </a:lvl8pPr>
-      <a:lvl9pPr marL="3657567" algn="l" defTabSz="914392" rtl="0" eaLnBrk="1" latinLnBrk="0" hangingPunct="1">
-        <a:defRPr kumimoji="1" sz="1800" kern="1200">
+      <a:lvl9pPr marL="1535826" algn="l" defTabSz="383957" rtl="0" eaLnBrk="1" latinLnBrk="0" hangingPunct="1">
+        <a:defRPr kumimoji="1" sz="756" kern="1200">
           <a:solidFill>
             <a:schemeClr val="tx1"/>
           </a:solidFill>
@@ -3645,17 +3649,19 @@
       <p:cxnSp>
         <p:nvCxnSpPr>
           <p:cNvPr id="51" name="カギ線コネクタ 50"/>
-          <p:cNvCxnSpPr/>
+          <p:cNvCxnSpPr>
+            <a:endCxn id="7" idx="0"/>
+          </p:cNvCxnSpPr>
           <p:nvPr/>
         </p:nvCxnSpPr>
         <p:spPr bwMode="auto">
           <a:xfrm flipV="1">
-            <a:off x="3523135" y="1170186"/>
-            <a:ext cx="5328765" cy="2320611"/>
+            <a:off x="3233809" y="385751"/>
+            <a:ext cx="5781611" cy="1106584"/>
           </a:xfrm>
           <a:prstGeom prst="bentConnector3">
             <a:avLst>
-              <a:gd name="adj1" fmla="val -526"/>
+              <a:gd name="adj1" fmla="val 4667"/>
             </a:avLst>
           </a:prstGeom>
           <a:solidFill>
@@ -3694,12 +3700,12 @@
         </p:nvCxnSpPr>
         <p:spPr bwMode="auto">
           <a:xfrm>
-            <a:off x="3528277" y="3462897"/>
-            <a:ext cx="5688889" cy="2177429"/>
+            <a:off x="3233815" y="1492333"/>
+            <a:ext cx="5781604" cy="1023961"/>
           </a:xfrm>
           <a:prstGeom prst="bentConnector3">
             <a:avLst>
-              <a:gd name="adj1" fmla="val -640"/>
+              <a:gd name="adj1" fmla="val 4667"/>
             </a:avLst>
           </a:prstGeom>
           <a:solidFill>
@@ -3736,10 +3742,10 @@
         </p:nvGrpSpPr>
         <p:grpSpPr>
           <a:xfrm>
-            <a:off x="241300" y="190500"/>
-            <a:ext cx="11709400" cy="6362699"/>
-            <a:chOff x="435593" y="2133289"/>
-            <a:chExt cx="8235358" cy="2614986"/>
+            <a:off x="241302" y="108488"/>
+            <a:ext cx="11709399" cy="2681208"/>
+            <a:chOff x="435593" y="2496365"/>
+            <a:chExt cx="8235357" cy="1930247"/>
           </a:xfrm>
         </p:grpSpPr>
         <p:sp>
@@ -3844,10 +3850,10 @@
           </p:nvGrpSpPr>
           <p:grpSpPr>
             <a:xfrm>
-              <a:off x="3277064" y="2133289"/>
-              <a:ext cx="5393887" cy="2614986"/>
-              <a:chOff x="3277064" y="2133289"/>
-              <a:chExt cx="5393887" cy="2614986"/>
+              <a:off x="3277064" y="2496365"/>
+              <a:ext cx="5393886" cy="1930247"/>
+              <a:chOff x="3277064" y="2496365"/>
+              <a:chExt cx="5393886" cy="1930247"/>
             </a:xfrm>
           </p:grpSpPr>
           <p:grpSp>
@@ -3858,10 +3864,10 @@
             </p:nvGrpSpPr>
             <p:grpSpPr>
               <a:xfrm>
-                <a:off x="5433389" y="2133289"/>
-                <a:ext cx="3237562" cy="1353045"/>
-                <a:chOff x="5665452" y="2677468"/>
-                <a:chExt cx="4316748" cy="2859935"/>
+                <a:off x="5433390" y="2496365"/>
+                <a:ext cx="3237560" cy="989969"/>
+                <a:chOff x="5665454" y="3444893"/>
+                <a:chExt cx="4316746" cy="2092497"/>
               </a:xfrm>
             </p:grpSpPr>
             <p:sp>
@@ -3872,8 +3878,8 @@
               </p:nvSpPr>
               <p:spPr bwMode="auto">
                 <a:xfrm>
-                  <a:off x="6904257" y="2677468"/>
-                  <a:ext cx="3077943" cy="1702116"/>
+                  <a:off x="6904252" y="3444893"/>
+                  <a:ext cx="3077948" cy="1702118"/>
                 </a:xfrm>
                 <a:prstGeom prst="rect">
                   <a:avLst/>
@@ -3955,14 +3961,6 @@
                     </a:rPr>
                     <a:t>REP_000</a:t>
                   </a:r>
-                  <a:endParaRPr lang="en-US" altLang="ja-JP" sz="2800" dirty="0">
-                    <a:solidFill>
-                      <a:schemeClr val="tx1"/>
-                    </a:solidFill>
-                    <a:latin typeface="メイリオ" panose="020B0604030504040204" pitchFamily="50" charset="-128"/>
-                    <a:ea typeface="メイリオ" panose="020B0604030504040204" pitchFamily="50" charset="-128"/>
-                    <a:cs typeface="メイリオ" pitchFamily="50" charset="-128"/>
-                  </a:endParaRPr>
                 </a:p>
               </p:txBody>
             </p:sp>
@@ -3974,8 +3972,8 @@
               </p:nvSpPr>
               <p:spPr bwMode="auto">
                 <a:xfrm rot="5400000" flipH="1">
-                  <a:off x="6793371" y="3275337"/>
-                  <a:ext cx="741178" cy="509760"/>
+                  <a:off x="6697708" y="3705451"/>
+                  <a:ext cx="741178" cy="322697"/>
                 </a:xfrm>
                 <a:prstGeom prst="triangle">
                   <a:avLst/>
@@ -4025,14 +4023,14 @@
                 <p:cNvPr id="8" name="直線コネクタ 7"/>
                 <p:cNvCxnSpPr>
                   <a:stCxn id="13" idx="3"/>
-                  <a:endCxn id="6" idx="1"/>
+                  <a:endCxn id="7" idx="3"/>
                 </p:cNvCxnSpPr>
                 <p:nvPr/>
               </p:nvCxnSpPr>
               <p:spPr bwMode="auto">
                 <a:xfrm flipV="1">
-                  <a:off x="5665452" y="3528527"/>
-                  <a:ext cx="1238805" cy="2008876"/>
+                  <a:off x="5665454" y="3866801"/>
+                  <a:ext cx="1241495" cy="1670589"/>
                 </a:xfrm>
                 <a:prstGeom prst="line">
                   <a:avLst/>
@@ -4174,9 +4172,9 @@
             </p:nvGrpSpPr>
             <p:grpSpPr>
               <a:xfrm>
-                <a:off x="6362489" y="3973067"/>
+                <a:off x="6362489" y="3651404"/>
                 <a:ext cx="2308457" cy="775208"/>
-                <a:chOff x="3258903" y="3451411"/>
+                <a:chOff x="3258903" y="3129748"/>
                 <a:chExt cx="2308457" cy="775208"/>
               </a:xfrm>
             </p:grpSpPr>
@@ -4188,7 +4186,7 @@
               </p:nvSpPr>
               <p:spPr bwMode="auto">
                 <a:xfrm>
-                  <a:off x="3258903" y="3451411"/>
+                  <a:off x="3258903" y="3129748"/>
                   <a:ext cx="2308457" cy="775208"/>
                 </a:xfrm>
                 <a:prstGeom prst="rect">
@@ -4271,14 +4269,6 @@
                     </a:rPr>
                     <a:t>REP_001</a:t>
                   </a:r>
-                  <a:endParaRPr lang="en-US" altLang="ja-JP" sz="2800" dirty="0">
-                    <a:solidFill>
-                      <a:schemeClr val="tx1"/>
-                    </a:solidFill>
-                    <a:latin typeface="メイリオ" panose="020B0604030504040204" pitchFamily="50" charset="-128"/>
-                    <a:ea typeface="メイリオ" panose="020B0604030504040204" pitchFamily="50" charset="-128"/>
-                    <a:cs typeface="メイリオ" pitchFamily="50" charset="-128"/>
-                  </a:endParaRPr>
                 </a:p>
               </p:txBody>
             </p:sp>
@@ -4290,8 +4280,8 @@
               </p:nvSpPr>
               <p:spPr bwMode="auto">
                 <a:xfrm rot="5400000" flipH="1">
-                  <a:off x="3278352" y="3660280"/>
-                  <a:ext cx="350654" cy="382320"/>
+                  <a:off x="3206608" y="3587120"/>
+                  <a:ext cx="350654" cy="242018"/>
                 </a:xfrm>
                 <a:prstGeom prst="triangle">
                   <a:avLst/>
@@ -4349,7 +4339,7 @@
             <p:spPr bwMode="auto">
               <a:xfrm>
                 <a:off x="5433390" y="3486334"/>
-                <a:ext cx="932714" cy="886762"/>
+                <a:ext cx="931122" cy="743451"/>
               </a:xfrm>
               <a:prstGeom prst="line">
                 <a:avLst/>
@@ -4429,8 +4419,8 @@
           </p:nvSpPr>
           <p:spPr bwMode="auto">
             <a:xfrm rot="5400000" flipH="1">
-              <a:off x="3296507" y="3488078"/>
-              <a:ext cx="350654" cy="382320"/>
+              <a:off x="3230345" y="3554436"/>
+              <a:ext cx="350654" cy="249605"/>
             </a:xfrm>
             <a:prstGeom prst="triangle">
               <a:avLst/>
@@ -4483,9 +4473,9 @@
           <p:nvPr/>
         </p:nvCxnSpPr>
         <p:spPr bwMode="auto">
-          <a:xfrm flipV="1">
-            <a:off x="2983957" y="3466469"/>
-            <a:ext cx="544320" cy="15002"/>
+          <a:xfrm>
+            <a:off x="2983957" y="1492335"/>
+            <a:ext cx="544320" cy="1213"/>
           </a:xfrm>
           <a:prstGeom prst="line">
             <a:avLst/>
@@ -4493,7 +4483,7 @@
           <a:solidFill>
             <a:schemeClr val="accent1"/>
           </a:solidFill>
-          <a:ln w="38100" cap="flat" cmpd="sng" algn="ctr">
+          <a:ln w="63500" cap="flat" cmpd="sng" algn="ctr">
             <a:solidFill>
               <a:srgbClr val="FF0000"/>
             </a:solidFill>
@@ -4526,21 +4516,28 @@
   <p:clrMapOvr>
     <a:masterClrMapping/>
   </p:clrMapOvr>
-  <mc:AlternateContent xmlns:mc="http://schemas.openxmlformats.org/markup-compatibility/2006">
-    <mc:Choice xmlns:p14="http://schemas.microsoft.com/office/powerpoint/2010/main" Requires="p14">
+  <mc:AlternateContent xmlns:mc="http://schemas.openxmlformats.org/markup-compatibility/2006" xmlns:p14="http://schemas.microsoft.com/office/powerpoint/2010/main">
+    <mc:Choice Requires="p14">
       <p:transition spd="slow" p14:dur="2000"/>
     </mc:Choice>
-    <mc:Fallback>
+    <mc:Fallback xmlns="">
       <p:transition spd="slow"/>
     </mc:Fallback>
   </mc:AlternateContent>
+  <p:timing>
+    <p:tnLst>
+      <p:par>
+        <p:cTn id="1" dur="indefinite" restart="never" nodeType="tmRoot"/>
+      </p:par>
+    </p:tnLst>
+  </p:timing>
 </p:sld>
 </file>
 
 <file path=ppt/theme/theme1.xml><?xml version="1.0" encoding="utf-8"?>
 <a:theme xmlns:a="http://schemas.openxmlformats.org/drawingml/2006/main" name="Office テーマ">
   <a:themeElements>
-    <a:clrScheme name="Office">
+    <a:clrScheme name="Office テーマ">
       <a:dk1>
         <a:sysClr val="windowText" lastClr="000000"/>
       </a:dk1>
@@ -4578,14 +4575,14 @@
         <a:srgbClr val="954F72"/>
       </a:folHlink>
     </a:clrScheme>
-    <a:fontScheme name="Office">
+    <a:fontScheme name="Office テーマ">
       <a:majorFont>
         <a:latin typeface="Calibri Light" panose="020F0302020204030204"/>
         <a:ea typeface=""/>
         <a:cs typeface=""/>
-        <a:font script="Jpan" typeface="ＭＳ Ｐゴシック"/>
+        <a:font script="Jpan" typeface="游ゴシック Light"/>
         <a:font script="Hang" typeface="맑은 고딕"/>
-        <a:font script="Hans" typeface="宋体"/>
+        <a:font script="Hans" typeface="等线 Light"/>
         <a:font script="Hant" typeface="新細明體"/>
         <a:font script="Arab" typeface="Times New Roman"/>
         <a:font script="Hebr" typeface="Times New Roman"/>
@@ -4618,9 +4615,9 @@
         <a:latin typeface="Calibri" panose="020F0502020204030204"/>
         <a:ea typeface=""/>
         <a:cs typeface=""/>
-        <a:font script="Jpan" typeface="ＭＳ Ｐゴシック"/>
+        <a:font script="Jpan" typeface="游ゴシック"/>
         <a:font script="Hang" typeface="맑은 고딕"/>
-        <a:font script="Hans" typeface="宋体"/>
+        <a:font script="Hans" typeface="等线"/>
         <a:font script="Hant" typeface="新細明體"/>
         <a:font script="Arab" typeface="Arial"/>
         <a:font script="Hebr" typeface="Arial"/>
@@ -4650,7 +4647,7 @@
         <a:font script="Geor" typeface="Sylfaen"/>
       </a:minorFont>
     </a:fontScheme>
-    <a:fmtScheme name="Office">
+    <a:fmtScheme name="Office テーマ">
       <a:fillStyleLst>
         <a:solidFill>
           <a:schemeClr val="phClr"/>
